--- a/assets/slide/2021-03-02-Distributed_Representations_of_Words_and_Phrases.pptx
+++ b/assets/slide/2021-03-02-Distributed_Representations_of_Words_and_Phrases.pptx
@@ -2,7 +2,7 @@
 <file path=ppt/presentation.xml><?xml version="1.0" encoding="utf-8"?>
 <p:presentation xmlns:a="http://schemas.openxmlformats.org/drawingml/2006/main" xmlns:r="http://schemas.openxmlformats.org/officeDocument/2006/relationships" xmlns:p="http://schemas.openxmlformats.org/presentationml/2006/main" embedTrueTypeFonts="1" saveSubsetFonts="1">
   <p:sldMasterIdLst>
-    <p:sldMasterId id="2147483705" r:id="rId1"/>
+    <p:sldMasterId id="2147483714" r:id="rId1"/>
   </p:sldMasterIdLst>
   <p:notesMasterIdLst>
     <p:notesMasterId r:id="rId26"/>
@@ -37,18 +37,26 @@
   <p:notesSz cx="6858000" cy="9144000"/>
   <p:embeddedFontLst>
     <p:embeddedFont>
-      <p:font typeface="나눔고딕코딩" panose="020D0009000000000000" pitchFamily="49" charset="-127"/>
-      <p:regular r:id="rId27"/>
+      <p:font typeface="나눔스퀘어_ac Bold" panose="020B0600000101010101" pitchFamily="50" charset="-127"/>
+      <p:bold r:id="rId27"/>
+    </p:embeddedFont>
+    <p:embeddedFont>
+      <p:font typeface="나눔스퀘어_ac ExtraBold" panose="020B0600000101010101" pitchFamily="50" charset="-127"/>
       <p:bold r:id="rId28"/>
     </p:embeddedFont>
     <p:embeddedFont>
-      <p:font typeface="맑은 고딕" panose="020B0503020000020004" pitchFamily="50" charset="-127"/>
+      <p:font typeface="Cambria Math" panose="02040503050406030204" pitchFamily="18" charset="0"/>
       <p:regular r:id="rId29"/>
-      <p:bold r:id="rId30"/>
     </p:embeddedFont>
     <p:embeddedFont>
-      <p:font typeface="Cambria Math" panose="02040503050406030204" pitchFamily="18" charset="0"/>
-      <p:regular r:id="rId31"/>
+      <p:font typeface="나눔고딕코딩" panose="020D0009000000000000" pitchFamily="49" charset="-127"/>
+      <p:regular r:id="rId30"/>
+      <p:bold r:id="rId31"/>
+    </p:embeddedFont>
+    <p:embeddedFont>
+      <p:font typeface="맑은 고딕" panose="020B0503020000020004" pitchFamily="50" charset="-127"/>
+      <p:regular r:id="rId32"/>
+      <p:bold r:id="rId33"/>
     </p:embeddedFont>
   </p:embeddedFontLst>
   <p:defaultTextStyle>
@@ -236,7 +244,7 @@
           <a:p>
             <a:fld id="{D4812714-827B-4162-857F-D70D619CF0DB}" type="datetimeFigureOut">
               <a:rPr lang="ko-KR" altLang="en-US" smtClean="0"/>
-              <a:t>2021-03-18</a:t>
+              <a:t>2021-03-24</a:t>
             </a:fld>
             <a:endParaRPr lang="ko-KR" altLang="en-US"/>
           </a:p>
@@ -652,7 +660,7 @@
     </p:spTree>
     <p:extLst>
       <p:ext uri="{BB962C8B-B14F-4D97-AF65-F5344CB8AC3E}">
-        <p14:creationId xmlns:p14="http://schemas.microsoft.com/office/powerpoint/2010/main" val="2482816022"/>
+        <p14:creationId xmlns:p14="http://schemas.microsoft.com/office/powerpoint/2010/main" val="2285788241"/>
       </p:ext>
     </p:extLst>
   </p:cSld>
@@ -742,7 +750,7 @@
           <a:p>
             <a:fld id="{6D77E1DF-70B5-46E1-B023-64B2364F3E57}" type="datetime1">
               <a:rPr lang="ko-KR" altLang="en-US" smtClean="0"/>
-              <a:t>2021-03-18</a:t>
+              <a:t>2021-03-24</a:t>
             </a:fld>
             <a:endParaRPr lang="ko-KR" altLang="en-US"/>
           </a:p>
@@ -908,7 +916,7 @@
             <a:avLst/>
           </a:prstGeom>
           <a:solidFill>
-            <a:schemeClr val="accent2"/>
+            <a:schemeClr val="tx1"/>
           </a:solidFill>
           <a:ln>
             <a:noFill/>
@@ -979,10 +987,10 @@
       </p:cxnSp>
       <p:sp>
         <p:nvSpPr>
-          <p:cNvPr id="2" name="제목 1">
-            <a:extLst>
-              <a:ext uri="{FF2B5EF4-FFF2-40B4-BE49-F238E27FC236}">
-                <a16:creationId xmlns:a16="http://schemas.microsoft.com/office/drawing/2014/main" id="{0D3FC029-E4E5-4AE7-A42B-A874937D6996}"/>
+          <p:cNvPr id="10" name="제목 1">
+            <a:extLst>
+              <a:ext uri="{FF2B5EF4-FFF2-40B4-BE49-F238E27FC236}">
+                <a16:creationId xmlns:a16="http://schemas.microsoft.com/office/drawing/2014/main" id="{14DF9C29-1BA5-4239-A013-10760B8BECAD}"/>
               </a:ext>
             </a:extLst>
           </p:cNvPr>
@@ -1003,10 +1011,7 @@
           <a:bodyPr/>
           <a:lstStyle>
             <a:lvl1pPr>
-              <a:defRPr>
-                <a:latin typeface="+mn-ea"/>
-                <a:ea typeface="+mn-ea"/>
-              </a:defRPr>
+              <a:defRPr b="0"/>
             </a:lvl1pPr>
           </a:lstStyle>
           <a:p>
@@ -1020,7 +1025,7 @@
     </p:spTree>
     <p:extLst>
       <p:ext uri="{BB962C8B-B14F-4D97-AF65-F5344CB8AC3E}">
-        <p14:creationId xmlns:p14="http://schemas.microsoft.com/office/powerpoint/2010/main" val="963016650"/>
+        <p14:creationId xmlns:p14="http://schemas.microsoft.com/office/powerpoint/2010/main" val="1444499280"/>
       </p:ext>
     </p:extLst>
   </p:cSld>
@@ -1032,7 +1037,7 @@
 
 <file path=ppt/slideLayouts/slideLayout3.xml><?xml version="1.0" encoding="utf-8"?>
 <p:sldLayout xmlns:a="http://schemas.openxmlformats.org/drawingml/2006/main" xmlns:r="http://schemas.openxmlformats.org/officeDocument/2006/relationships" xmlns:p="http://schemas.openxmlformats.org/presentationml/2006/main" preserve="1">
-  <p:cSld name="4_제목 및 내용">
+  <p:cSld name="5_제목 및 내용">
     <p:bg>
       <p:bgPr>
         <a:blipFill dpi="0" rotWithShape="1">
@@ -1080,7 +1085,7 @@
             <a:avLst/>
           </a:prstGeom>
           <a:solidFill>
-            <a:schemeClr val="accent2"/>
+            <a:schemeClr val="tx1"/>
           </a:solidFill>
           <a:ln>
             <a:noFill/>
@@ -1173,7 +1178,11 @@
         </p:spPr>
         <p:txBody>
           <a:bodyPr/>
-          <a:lstStyle/>
+          <a:lstStyle>
+            <a:lvl1pPr>
+              <a:defRPr b="0"/>
+            </a:lvl1pPr>
+          </a:lstStyle>
           <a:p>
             <a:r>
               <a:rPr lang="ko-KR" altLang="en-US"/>
@@ -1223,7 +1232,10 @@
               <a:avLst/>
             </a:prstGeom>
             <a:solidFill>
-              <a:srgbClr val="EEE9E2"/>
+              <a:schemeClr val="tx2">
+                <a:lumMod val="20000"/>
+                <a:lumOff val="80000"/>
+              </a:schemeClr>
             </a:solidFill>
             <a:ln>
               <a:noFill/>
@@ -1277,7 +1289,10 @@
               <a:avLst/>
             </a:prstGeom>
             <a:solidFill>
-              <a:schemeClr val="accent2"/>
+              <a:schemeClr val="tx1">
+                <a:lumMod val="40000"/>
+                <a:lumOff val="60000"/>
+              </a:schemeClr>
             </a:solidFill>
             <a:ln>
               <a:noFill/>
@@ -1461,7 +1476,9 @@
               <a:avLst/>
             </a:prstGeom>
             <a:solidFill>
-              <a:srgbClr val="EEE9E2"/>
+              <a:schemeClr val="bg1">
+                <a:lumMod val="85000"/>
+              </a:schemeClr>
             </a:solidFill>
             <a:ln>
               <a:noFill/>
@@ -1515,7 +1532,10 @@
               <a:avLst/>
             </a:prstGeom>
             <a:solidFill>
-              <a:schemeClr val="accent2"/>
+              <a:schemeClr val="tx1">
+                <a:lumMod val="40000"/>
+                <a:lumOff val="60000"/>
+              </a:schemeClr>
             </a:solidFill>
             <a:ln>
               <a:noFill/>
@@ -1663,9 +1683,9 @@
             </a:lvl1pPr>
           </a:lstStyle>
           <a:p>
-            <a:fld id="{08BD47F5-FF84-42C4-8D7C-0A12D54D766F}" type="datetime1">
+            <a:fld id="{DBED439E-E228-4347-91FF-13CCEDFD3D31}" type="datetime1">
               <a:rPr lang="ko-KR" altLang="en-US" smtClean="0"/>
-              <a:t>2021-03-18</a:t>
+              <a:t>2021-03-24</a:t>
             </a:fld>
             <a:endParaRPr lang="ko-KR" altLang="en-US"/>
           </a:p>
@@ -1764,13 +1784,14 @@
     </p:spTree>
     <p:extLst>
       <p:ext uri="{BB962C8B-B14F-4D97-AF65-F5344CB8AC3E}">
-        <p14:creationId xmlns:p14="http://schemas.microsoft.com/office/powerpoint/2010/main" val="2354702998"/>
+        <p14:creationId xmlns:p14="http://schemas.microsoft.com/office/powerpoint/2010/main" val="1178320422"/>
       </p:ext>
     </p:extLst>
   </p:cSld>
   <p:clrMapOvr>
     <a:masterClrMapping/>
   </p:clrMapOvr>
+  <p:hf hdr="0"/>
 </p:sldLayout>
 </file>
 
@@ -1873,7 +1894,7 @@
             <a:avLst/>
           </a:prstGeom>
           <a:solidFill>
-            <a:schemeClr val="accent2"/>
+            <a:schemeClr val="tx1"/>
           </a:solidFill>
           <a:ln>
             <a:noFill/>
@@ -1943,7 +1964,7 @@
           <a:p>
             <a:fld id="{BDAC257D-86E3-48AB-93A0-F03247742BD1}" type="datetime1">
               <a:rPr lang="ko-KR" altLang="en-US" smtClean="0"/>
-              <a:t>2021-03-18</a:t>
+              <a:t>2021-03-24</a:t>
             </a:fld>
             <a:endParaRPr lang="ko-KR" altLang="en-US"/>
           </a:p>
@@ -2042,7 +2063,7 @@
     </p:spTree>
     <p:extLst>
       <p:ext uri="{BB962C8B-B14F-4D97-AF65-F5344CB8AC3E}">
-        <p14:creationId xmlns:p14="http://schemas.microsoft.com/office/powerpoint/2010/main" val="1150174682"/>
+        <p14:creationId xmlns:p14="http://schemas.microsoft.com/office/powerpoint/2010/main" val="2514560305"/>
       </p:ext>
     </p:extLst>
   </p:cSld>
@@ -2110,7 +2131,9 @@
               <a:avLst/>
             </a:prstGeom>
             <a:solidFill>
-              <a:srgbClr val="EEE9E2"/>
+              <a:schemeClr val="bg2">
+                <a:lumMod val="90000"/>
+              </a:schemeClr>
             </a:solidFill>
             <a:ln>
               <a:noFill/>
@@ -2205,7 +2228,7 @@
             <a:avLst/>
           </a:prstGeom>
           <a:solidFill>
-            <a:schemeClr val="accent2"/>
+            <a:schemeClr val="tx1"/>
           </a:solidFill>
           <a:ln>
             <a:noFill/>
@@ -2353,7 +2376,7 @@
           <a:p>
             <a:fld id="{374000F4-9D95-4BAE-A36D-E5528B5CFACF}" type="datetime1">
               <a:rPr lang="ko-KR" altLang="en-US" smtClean="0"/>
-              <a:t>2021-03-18</a:t>
+              <a:t>2021-03-24</a:t>
             </a:fld>
             <a:endParaRPr lang="ko-KR" altLang="en-US"/>
           </a:p>
@@ -2452,7 +2475,7 @@
     </p:spTree>
     <p:extLst>
       <p:ext uri="{BB962C8B-B14F-4D97-AF65-F5344CB8AC3E}">
-        <p14:creationId xmlns:p14="http://schemas.microsoft.com/office/powerpoint/2010/main" val="3972529074"/>
+        <p14:creationId xmlns:p14="http://schemas.microsoft.com/office/powerpoint/2010/main" val="636340168"/>
       </p:ext>
     </p:extLst>
   </p:cSld>
@@ -2464,351 +2487,13 @@
 
 <file path=ppt/slideLayouts/slideLayout6.xml><?xml version="1.0" encoding="utf-8"?>
 <p:sldLayout xmlns:a="http://schemas.openxmlformats.org/drawingml/2006/main" xmlns:r="http://schemas.openxmlformats.org/officeDocument/2006/relationships" xmlns:p="http://schemas.openxmlformats.org/presentationml/2006/main" preserve="1">
-  <p:cSld name="2_사용자 지정 레이아웃">
-    <p:bg>
-      <p:bgPr>
-        <a:solidFill>
-          <a:schemeClr val="accent3">
-            <a:lumMod val="90000"/>
-          </a:schemeClr>
-        </a:solidFill>
-        <a:effectLst/>
-      </p:bgPr>
-    </p:bg>
-    <p:spTree>
-      <p:nvGrpSpPr>
-        <p:cNvPr id="1" name=""/>
-        <p:cNvGrpSpPr/>
-        <p:nvPr/>
-      </p:nvGrpSpPr>
-      <p:grpSpPr>
-        <a:xfrm>
-          <a:off x="0" y="0"/>
-          <a:ext cx="0" cy="0"/>
-          <a:chOff x="0" y="0"/>
-          <a:chExt cx="0" cy="0"/>
-        </a:xfrm>
-      </p:grpSpPr>
-      <p:grpSp>
-        <p:nvGrpSpPr>
-          <p:cNvPr id="9" name="그룹 8">
-            <a:extLst>
-              <a:ext uri="{FF2B5EF4-FFF2-40B4-BE49-F238E27FC236}">
-                <a16:creationId xmlns:a16="http://schemas.microsoft.com/office/drawing/2014/main" id="{5F499D4B-7BF3-4626-95AF-F4EAD7414647}"/>
-              </a:ext>
-            </a:extLst>
-          </p:cNvPr>
-          <p:cNvGrpSpPr/>
-          <p:nvPr/>
-        </p:nvGrpSpPr>
-        <p:grpSpPr>
-          <a:xfrm>
-            <a:off x="317729" y="1079058"/>
-            <a:ext cx="11547016" cy="3770263"/>
-            <a:chOff x="-77121" y="1282258"/>
-            <a:chExt cx="11547016" cy="3770263"/>
-          </a:xfrm>
-        </p:grpSpPr>
-        <p:sp>
-          <p:nvSpPr>
-            <p:cNvPr id="10" name="TextBox 9">
-              <a:extLst>
-                <a:ext uri="{FF2B5EF4-FFF2-40B4-BE49-F238E27FC236}">
-                  <a16:creationId xmlns:a16="http://schemas.microsoft.com/office/drawing/2014/main" id="{807534F6-47D7-4A04-9FE5-5B416BBFD5BA}"/>
-                </a:ext>
-              </a:extLst>
-            </p:cNvPr>
-            <p:cNvSpPr txBox="1"/>
-            <p:nvPr/>
-          </p:nvSpPr>
-          <p:spPr>
-            <a:xfrm>
-              <a:off x="-77121" y="1282258"/>
-              <a:ext cx="1035861" cy="3770263"/>
-            </a:xfrm>
-            <a:prstGeom prst="rect">
-              <a:avLst/>
-            </a:prstGeom>
-            <a:noFill/>
-          </p:spPr>
-          <p:txBody>
-            <a:bodyPr wrap="none" rtlCol="0">
-              <a:spAutoFit/>
-            </a:bodyPr>
-            <a:lstStyle/>
-            <a:p>
-              <a:pPr algn="l"/>
-              <a:r>
-                <a:rPr lang="en-US" altLang="ko-KR" sz="23900" dirty="0">
-                  <a:solidFill>
-                    <a:schemeClr val="bg1"/>
-                  </a:solidFill>
-                  <a:latin typeface="Arial" panose="020B0604020202020204" pitchFamily="34" charset="0"/>
-                  <a:cs typeface="Arial" panose="020B0604020202020204" pitchFamily="34" charset="0"/>
-                </a:rPr>
-                <a:t>[</a:t>
-              </a:r>
-              <a:endParaRPr lang="ko-KR" altLang="en-US" sz="23900" dirty="0">
-                <a:solidFill>
-                  <a:schemeClr val="bg1"/>
-                </a:solidFill>
-                <a:latin typeface="Arial" panose="020B0604020202020204" pitchFamily="34" charset="0"/>
-                <a:cs typeface="Arial" panose="020B0604020202020204" pitchFamily="34" charset="0"/>
-              </a:endParaRPr>
-            </a:p>
-          </p:txBody>
-        </p:sp>
-        <p:sp>
-          <p:nvSpPr>
-            <p:cNvPr id="11" name="TextBox 10">
-              <a:extLst>
-                <a:ext uri="{FF2B5EF4-FFF2-40B4-BE49-F238E27FC236}">
-                  <a16:creationId xmlns:a16="http://schemas.microsoft.com/office/drawing/2014/main" id="{07A741C9-4074-4096-B254-C8485A1EE48B}"/>
-                </a:ext>
-              </a:extLst>
-            </p:cNvPr>
-            <p:cNvSpPr txBox="1"/>
-            <p:nvPr/>
-          </p:nvSpPr>
-          <p:spPr>
-            <a:xfrm>
-              <a:off x="10434034" y="1282258"/>
-              <a:ext cx="1035861" cy="3770263"/>
-            </a:xfrm>
-            <a:prstGeom prst="rect">
-              <a:avLst/>
-            </a:prstGeom>
-            <a:noFill/>
-          </p:spPr>
-          <p:txBody>
-            <a:bodyPr wrap="none" rtlCol="0">
-              <a:spAutoFit/>
-            </a:bodyPr>
-            <a:lstStyle/>
-            <a:p>
-              <a:pPr algn="l"/>
-              <a:r>
-                <a:rPr lang="en-US" altLang="ko-KR" sz="23900" dirty="0">
-                  <a:solidFill>
-                    <a:schemeClr val="bg1"/>
-                  </a:solidFill>
-                  <a:latin typeface="Arial" panose="020B0604020202020204" pitchFamily="34" charset="0"/>
-                  <a:cs typeface="Arial" panose="020B0604020202020204" pitchFamily="34" charset="0"/>
-                </a:rPr>
-                <a:t>]</a:t>
-              </a:r>
-              <a:endParaRPr lang="ko-KR" altLang="en-US" sz="23900" dirty="0">
-                <a:solidFill>
-                  <a:schemeClr val="bg1"/>
-                </a:solidFill>
-                <a:latin typeface="Arial" panose="020B0604020202020204" pitchFamily="34" charset="0"/>
-                <a:cs typeface="Arial" panose="020B0604020202020204" pitchFamily="34" charset="0"/>
-              </a:endParaRPr>
-            </a:p>
-          </p:txBody>
-        </p:sp>
-      </p:grpSp>
-      <p:sp>
-        <p:nvSpPr>
-          <p:cNvPr id="12" name="날짜 개체 틀 4">
-            <a:extLst>
-              <a:ext uri="{FF2B5EF4-FFF2-40B4-BE49-F238E27FC236}">
-                <a16:creationId xmlns:a16="http://schemas.microsoft.com/office/drawing/2014/main" id="{51704F55-C0F5-4C1D-987A-ADC009F3B16D}"/>
-              </a:ext>
-            </a:extLst>
-          </p:cNvPr>
-          <p:cNvSpPr>
-            <a:spLocks noGrp="1"/>
-          </p:cNvSpPr>
-          <p:nvPr>
-            <p:ph type="dt" sz="half" idx="10"/>
-          </p:nvPr>
-        </p:nvSpPr>
-        <p:spPr>
-          <a:xfrm>
-            <a:off x="0" y="6492877"/>
-            <a:ext cx="2743200" cy="365125"/>
-          </a:xfrm>
-          <a:noFill/>
-        </p:spPr>
-        <p:txBody>
-          <a:bodyPr/>
-          <a:lstStyle>
-            <a:lvl1pPr>
-              <a:defRPr>
-                <a:solidFill>
-                  <a:schemeClr val="bg1">
-                    <a:lumMod val="50000"/>
-                  </a:schemeClr>
-                </a:solidFill>
-              </a:defRPr>
-            </a:lvl1pPr>
-          </a:lstStyle>
-          <a:p>
-            <a:fld id="{A59547E9-3170-495C-9EE7-83383D9C35EB}" type="datetime1">
-              <a:rPr lang="ko-KR" altLang="en-US" smtClean="0"/>
-              <a:t>2021-03-18</a:t>
-            </a:fld>
-            <a:endParaRPr lang="ko-KR" altLang="en-US"/>
-          </a:p>
-        </p:txBody>
-      </p:sp>
-      <p:sp>
-        <p:nvSpPr>
-          <p:cNvPr id="13" name="바닥글 개체 틀 5">
-            <a:extLst>
-              <a:ext uri="{FF2B5EF4-FFF2-40B4-BE49-F238E27FC236}">
-                <a16:creationId xmlns:a16="http://schemas.microsoft.com/office/drawing/2014/main" id="{A184CE8A-71F7-4553-956A-5281DB5AA8D5}"/>
-              </a:ext>
-            </a:extLst>
-          </p:cNvPr>
-          <p:cNvSpPr>
-            <a:spLocks noGrp="1"/>
-          </p:cNvSpPr>
-          <p:nvPr>
-            <p:ph type="ftr" sz="quarter" idx="11"/>
-          </p:nvPr>
-        </p:nvSpPr>
-        <p:spPr>
-          <a:xfrm>
-            <a:off x="2743200" y="6492874"/>
-            <a:ext cx="6705600" cy="365126"/>
-          </a:xfrm>
-          <a:noFill/>
-        </p:spPr>
-        <p:txBody>
-          <a:bodyPr/>
-          <a:lstStyle>
-            <a:lvl1pPr>
-              <a:defRPr>
-                <a:solidFill>
-                  <a:schemeClr val="bg1">
-                    <a:lumMod val="50000"/>
-                  </a:schemeClr>
-                </a:solidFill>
-              </a:defRPr>
-            </a:lvl1pPr>
-          </a:lstStyle>
-          <a:p>
-            <a:r>
-              <a:rPr lang="en-US" altLang="ko-KR"/>
-              <a:t>Jaemin-Jeong</a:t>
-            </a:r>
-            <a:endParaRPr lang="ko-KR" altLang="en-US"/>
-          </a:p>
-        </p:txBody>
-      </p:sp>
-      <p:sp>
-        <p:nvSpPr>
-          <p:cNvPr id="14" name="슬라이드 번호 개체 틀 6">
-            <a:extLst>
-              <a:ext uri="{FF2B5EF4-FFF2-40B4-BE49-F238E27FC236}">
-                <a16:creationId xmlns:a16="http://schemas.microsoft.com/office/drawing/2014/main" id="{9DA8099C-EFB6-4A06-81B7-8412A4148468}"/>
-              </a:ext>
-            </a:extLst>
-          </p:cNvPr>
-          <p:cNvSpPr>
-            <a:spLocks noGrp="1"/>
-          </p:cNvSpPr>
-          <p:nvPr>
-            <p:ph type="sldNum" sz="quarter" idx="12"/>
-          </p:nvPr>
-        </p:nvSpPr>
-        <p:spPr>
-          <a:xfrm>
-            <a:off x="9448800" y="6492875"/>
-            <a:ext cx="2743200" cy="365126"/>
-          </a:xfrm>
-          <a:noFill/>
-        </p:spPr>
-        <p:txBody>
-          <a:bodyPr/>
-          <a:lstStyle>
-            <a:lvl1pPr>
-              <a:defRPr>
-                <a:solidFill>
-                  <a:schemeClr val="bg1">
-                    <a:lumMod val="50000"/>
-                  </a:schemeClr>
-                </a:solidFill>
-              </a:defRPr>
-            </a:lvl1pPr>
-          </a:lstStyle>
-          <a:p>
-            <a:fld id="{3427A839-0635-4E04-82BD-3D4B222E5809}" type="slidenum">
-              <a:rPr lang="ko-KR" altLang="en-US" smtClean="0"/>
-              <a:t>‹#›</a:t>
-            </a:fld>
-            <a:endParaRPr lang="ko-KR" altLang="en-US"/>
-          </a:p>
-        </p:txBody>
-      </p:sp>
-      <p:sp>
-        <p:nvSpPr>
-          <p:cNvPr id="22" name="텍스트 개체 틀 29">
-            <a:extLst>
-              <a:ext uri="{FF2B5EF4-FFF2-40B4-BE49-F238E27FC236}">
-                <a16:creationId xmlns:a16="http://schemas.microsoft.com/office/drawing/2014/main" id="{484280A7-F272-4A3B-882D-138D0B17F71C}"/>
-              </a:ext>
-            </a:extLst>
-          </p:cNvPr>
-          <p:cNvSpPr>
-            <a:spLocks noGrp="1"/>
-          </p:cNvSpPr>
-          <p:nvPr>
-            <p:ph type="body" sz="quarter" idx="15" hasCustomPrompt="1"/>
-          </p:nvPr>
-        </p:nvSpPr>
-        <p:spPr>
-          <a:xfrm>
-            <a:off x="3566378" y="3061494"/>
-            <a:ext cx="5049718" cy="735012"/>
-          </a:xfrm>
-        </p:spPr>
-        <p:txBody>
-          <a:bodyPr>
-            <a:noAutofit/>
-          </a:bodyPr>
-          <a:lstStyle>
-            <a:lvl1pPr marL="0" indent="0">
-              <a:buNone/>
-              <a:defRPr sz="4400">
-                <a:solidFill>
-                  <a:schemeClr val="bg1"/>
-                </a:solidFill>
-              </a:defRPr>
-            </a:lvl1pPr>
-          </a:lstStyle>
-          <a:p>
-            <a:pPr lvl="0"/>
-            <a:r>
-              <a:rPr lang="ko-KR" altLang="en-US"/>
-              <a:t>내용을 입력하세요</a:t>
-            </a:r>
-          </a:p>
-        </p:txBody>
-      </p:sp>
-    </p:spTree>
-    <p:extLst>
-      <p:ext uri="{BB962C8B-B14F-4D97-AF65-F5344CB8AC3E}">
-        <p14:creationId xmlns:p14="http://schemas.microsoft.com/office/powerpoint/2010/main" val="4069769637"/>
-      </p:ext>
-    </p:extLst>
-  </p:cSld>
-  <p:clrMapOvr>
-    <a:masterClrMapping/>
-  </p:clrMapOvr>
-</p:sldLayout>
-</file>
-
-<file path=ppt/slideLayouts/slideLayout7.xml><?xml version="1.0" encoding="utf-8"?>
-<p:sldLayout xmlns:a="http://schemas.openxmlformats.org/drawingml/2006/main" xmlns:r="http://schemas.openxmlformats.org/officeDocument/2006/relationships" xmlns:p="http://schemas.openxmlformats.org/presentationml/2006/main" preserve="1">
   <p:cSld name="3_사용자 지정 레이아웃">
     <p:bg>
       <p:bgPr>
         <a:solidFill>
-          <a:schemeClr val="accent3">
-            <a:lumMod val="90000"/>
+          <a:schemeClr val="tx1">
+            <a:lumMod val="20000"/>
+            <a:lumOff val="80000"/>
           </a:schemeClr>
         </a:solidFill>
         <a:effectLst/>
@@ -2986,7 +2671,7 @@
           <a:p>
             <a:fld id="{29079504-2EBB-4640-ADEC-72F76CD3BC10}" type="datetime1">
               <a:rPr lang="ko-KR" altLang="en-US" smtClean="0"/>
-              <a:t>2021-03-18</a:t>
+              <a:t>2021-03-24</a:t>
             </a:fld>
             <a:endParaRPr lang="ko-KR" altLang="en-US"/>
           </a:p>
@@ -3130,7 +2815,7 @@
     </p:spTree>
     <p:extLst>
       <p:ext uri="{BB962C8B-B14F-4D97-AF65-F5344CB8AC3E}">
-        <p14:creationId xmlns:p14="http://schemas.microsoft.com/office/powerpoint/2010/main" val="3905906036"/>
+        <p14:creationId xmlns:p14="http://schemas.microsoft.com/office/powerpoint/2010/main" val="3329712588"/>
       </p:ext>
     </p:extLst>
   </p:cSld>
@@ -3140,7 +2825,7 @@
 </p:sldLayout>
 </file>
 
-<file path=ppt/slideLayouts/slideLayout8.xml><?xml version="1.0" encoding="utf-8"?>
+<file path=ppt/slideLayouts/slideLayout7.xml><?xml version="1.0" encoding="utf-8"?>
 <p:sldLayout xmlns:a="http://schemas.openxmlformats.org/drawingml/2006/main" xmlns:r="http://schemas.openxmlformats.org/officeDocument/2006/relationships" xmlns:p="http://schemas.openxmlformats.org/presentationml/2006/main" preserve="1">
   <p:cSld name="사용자 지정 레이아웃">
     <p:spTree>
@@ -3225,9 +2910,7 @@
             <a:r>
               <a:rPr lang="en-US" altLang="ko-KR" sz="9600">
                 <a:solidFill>
-                  <a:schemeClr val="accent3">
-                    <a:lumMod val="90000"/>
-                  </a:schemeClr>
+                  <a:schemeClr val="tx1"/>
                 </a:solidFill>
                 <a:latin typeface="나눔고딕코딩" panose="020D0009000000000000" pitchFamily="49" charset="-127"/>
                 <a:ea typeface="나눔고딕코딩" panose="020D0009000000000000" pitchFamily="49" charset="-127"/>
@@ -3236,9 +2919,7 @@
             </a:r>
             <a:endParaRPr lang="ko-KR" altLang="en-US" sz="9600" dirty="0">
               <a:solidFill>
-                <a:schemeClr val="accent3">
-                  <a:lumMod val="90000"/>
-                </a:schemeClr>
+                <a:schemeClr val="tx1"/>
               </a:solidFill>
               <a:latin typeface="나눔고딕코딩" panose="020D0009000000000000" pitchFamily="49" charset="-127"/>
               <a:ea typeface="나눔고딕코딩" panose="020D0009000000000000" pitchFamily="49" charset="-127"/>
@@ -3249,7 +2930,7 @@
     </p:spTree>
     <p:extLst>
       <p:ext uri="{BB962C8B-B14F-4D97-AF65-F5344CB8AC3E}">
-        <p14:creationId xmlns:p14="http://schemas.microsoft.com/office/powerpoint/2010/main" val="2130729625"/>
+        <p14:creationId xmlns:p14="http://schemas.microsoft.com/office/powerpoint/2010/main" val="2215505107"/>
       </p:ext>
     </p:extLst>
   </p:cSld>
@@ -3427,7 +3108,7 @@
           <a:p>
             <a:fld id="{DBED439E-E228-4347-91FF-13CCEDFD3D31}" type="datetime1">
               <a:rPr lang="ko-KR" altLang="en-US" smtClean="0"/>
-              <a:t>2021-03-18</a:t>
+              <a:t>2021-03-24</a:t>
             </a:fld>
             <a:endParaRPr lang="ko-KR" altLang="en-US"/>
           </a:p>
@@ -3530,20 +3211,19 @@
     </p:spTree>
     <p:extLst>
       <p:ext uri="{BB962C8B-B14F-4D97-AF65-F5344CB8AC3E}">
-        <p14:creationId xmlns:p14="http://schemas.microsoft.com/office/powerpoint/2010/main" val="3565702864"/>
+        <p14:creationId xmlns:p14="http://schemas.microsoft.com/office/powerpoint/2010/main" val="3352673626"/>
       </p:ext>
     </p:extLst>
   </p:cSld>
   <p:clrMap bg1="lt1" tx1="dk1" bg2="lt2" tx2="dk2" accent1="accent1" accent2="accent2" accent3="accent3" accent4="accent4" accent5="accent5" accent6="accent6" hlink="hlink" folHlink="folHlink"/>
   <p:sldLayoutIdLst>
-    <p:sldLayoutId id="2147483706" r:id="rId1"/>
-    <p:sldLayoutId id="2147483707" r:id="rId2"/>
-    <p:sldLayoutId id="2147483708" r:id="rId3"/>
-    <p:sldLayoutId id="2147483709" r:id="rId4"/>
-    <p:sldLayoutId id="2147483710" r:id="rId5"/>
-    <p:sldLayoutId id="2147483711" r:id="rId6"/>
-    <p:sldLayoutId id="2147483712" r:id="rId7"/>
-    <p:sldLayoutId id="2147483713" r:id="rId8"/>
+    <p:sldLayoutId id="2147483715" r:id="rId1"/>
+    <p:sldLayoutId id="2147483716" r:id="rId2"/>
+    <p:sldLayoutId id="2147483717" r:id="rId3"/>
+    <p:sldLayoutId id="2147483718" r:id="rId4"/>
+    <p:sldLayoutId id="2147483719" r:id="rId5"/>
+    <p:sldLayoutId id="2147483720" r:id="rId6"/>
+    <p:sldLayoutId id="2147483721" r:id="rId7"/>
   </p:sldLayoutIdLst>
   <mc:AlternateContent xmlns:mc="http://schemas.openxmlformats.org/markup-compatibility/2006" xmlns:p159="http://schemas.microsoft.com/office/powerpoint/2015/09/main">
     <mc:Choice Requires="p159">
@@ -3586,8 +3266,11 @@
         <a:spcBef>
           <a:spcPts val="750"/>
         </a:spcBef>
-        <a:buFont typeface="Arial" panose="020B0604020202020204" pitchFamily="34" charset="0"/>
-        <a:buChar char="•"/>
+        <a:buClr>
+          <a:schemeClr val="tx1"/>
+        </a:buClr>
+        <a:buFont typeface="Wingdings" panose="05000000000000000000" pitchFamily="2" charset="2"/>
+        <a:buChar char="§"/>
         <a:defRPr sz="2100" kern="1200">
           <a:solidFill>
             <a:schemeClr val="tx1"/>
@@ -3604,8 +3287,11 @@
         <a:spcBef>
           <a:spcPts val="375"/>
         </a:spcBef>
-        <a:buFont typeface="Arial" panose="020B0604020202020204" pitchFamily="34" charset="0"/>
-        <a:buChar char="•"/>
+        <a:buClr>
+          <a:schemeClr val="accent5"/>
+        </a:buClr>
+        <a:buFont typeface="Wingdings" panose="05000000000000000000" pitchFamily="2" charset="2"/>
+        <a:buChar char="§"/>
         <a:defRPr sz="1800" kern="1200">
           <a:solidFill>
             <a:schemeClr val="tx1"/>
@@ -3615,15 +3301,20 @@
           <a:cs typeface="+mn-cs"/>
         </a:defRPr>
       </a:lvl2pPr>
-      <a:lvl3pPr marL="857250" indent="-171450" algn="l" defTabSz="685800" rtl="0" eaLnBrk="1" latinLnBrk="1" hangingPunct="1">
+      <a:lvl3pPr marL="971550" indent="-285750" algn="l" defTabSz="685800" rtl="0" eaLnBrk="1" latinLnBrk="1" hangingPunct="1">
         <a:lnSpc>
           <a:spcPct val="90000"/>
         </a:lnSpc>
         <a:spcBef>
           <a:spcPts val="375"/>
         </a:spcBef>
-        <a:buFont typeface="Arial" panose="020B0604020202020204" pitchFamily="34" charset="0"/>
-        <a:buChar char="•"/>
+        <a:buClr>
+          <a:schemeClr val="accent4">
+            <a:lumMod val="50000"/>
+          </a:schemeClr>
+        </a:buClr>
+        <a:buFont typeface="Wingdings" panose="05000000000000000000" pitchFamily="2" charset="2"/>
+        <a:buChar char="§"/>
         <a:defRPr sz="1500" kern="1200">
           <a:solidFill>
             <a:schemeClr val="tx1"/>
@@ -3640,8 +3331,13 @@
         <a:spcBef>
           <a:spcPts val="375"/>
         </a:spcBef>
-        <a:buFont typeface="Arial" panose="020B0604020202020204" pitchFamily="34" charset="0"/>
-        <a:buChar char="•"/>
+        <a:buClr>
+          <a:schemeClr val="accent4">
+            <a:lumMod val="75000"/>
+          </a:schemeClr>
+        </a:buClr>
+        <a:buFont typeface="Wingdings" panose="05000000000000000000" pitchFamily="2" charset="2"/>
+        <a:buChar char="§"/>
         <a:defRPr sz="1350" kern="1200">
           <a:solidFill>
             <a:schemeClr val="tx1"/>
@@ -3651,15 +3347,18 @@
           <a:cs typeface="+mn-cs"/>
         </a:defRPr>
       </a:lvl4pPr>
-      <a:lvl5pPr marL="1543050" indent="-171450" algn="l" defTabSz="685800" rtl="0" eaLnBrk="1" latinLnBrk="1" hangingPunct="1">
+      <a:lvl5pPr marL="1657350" indent="-285750" algn="l" defTabSz="685800" rtl="0" eaLnBrk="1" latinLnBrk="1" hangingPunct="1">
         <a:lnSpc>
           <a:spcPct val="90000"/>
         </a:lnSpc>
         <a:spcBef>
           <a:spcPts val="375"/>
         </a:spcBef>
-        <a:buFont typeface="Arial" panose="020B0604020202020204" pitchFamily="34" charset="0"/>
-        <a:buChar char="•"/>
+        <a:buClr>
+          <a:schemeClr val="accent4"/>
+        </a:buClr>
+        <a:buFont typeface="Wingdings" panose="05000000000000000000" pitchFamily="2" charset="2"/>
+        <a:buChar char="§"/>
         <a:defRPr sz="1350" kern="1200">
           <a:solidFill>
             <a:schemeClr val="tx1"/>
@@ -3953,7 +3652,7 @@
           <a:p>
             <a:fld id="{6D77E1DF-70B5-46E1-B023-64B2364F3E57}" type="datetime1">
               <a:rPr lang="ko-KR" altLang="en-US" smtClean="0"/>
-              <a:t>2021-03-18</a:t>
+              <a:t>2021-03-24</a:t>
             </a:fld>
             <a:endParaRPr lang="ko-KR" altLang="en-US"/>
           </a:p>
@@ -4076,8 +3775,8 @@
           </a:prstGeom>
         </p:spPr>
       </p:pic>
-      <mc:AlternateContent xmlns:mc="http://schemas.openxmlformats.org/markup-compatibility/2006">
-        <mc:Choice xmlns:a14="http://schemas.microsoft.com/office/drawing/2010/main" Requires="a14">
+      <mc:AlternateContent xmlns:mc="http://schemas.openxmlformats.org/markup-compatibility/2006" xmlns:a14="http://schemas.microsoft.com/office/drawing/2010/main">
+        <mc:Choice Requires="a14">
           <p:sp>
             <p:nvSpPr>
               <p:cNvPr id="18" name="TextBox 17">
@@ -4216,7 +3915,7 @@
             </p:txBody>
           </p:sp>
         </mc:Choice>
-        <mc:Fallback>
+        <mc:Fallback xmlns="">
           <p:sp>
             <p:nvSpPr>
               <p:cNvPr id="18" name="TextBox 17">
@@ -4261,8 +3960,8 @@
           </p:sp>
         </mc:Fallback>
       </mc:AlternateContent>
-      <mc:AlternateContent xmlns:mc="http://schemas.openxmlformats.org/markup-compatibility/2006">
-        <mc:Choice xmlns:a14="http://schemas.microsoft.com/office/drawing/2010/main" Requires="a14">
+      <mc:AlternateContent xmlns:mc="http://schemas.openxmlformats.org/markup-compatibility/2006" xmlns:a14="http://schemas.microsoft.com/office/drawing/2010/main">
+        <mc:Choice Requires="a14">
           <p:sp>
             <p:nvSpPr>
               <p:cNvPr id="20" name="TextBox 19">
@@ -4317,7 +4016,7 @@
             </p:txBody>
           </p:sp>
         </mc:Choice>
-        <mc:Fallback>
+        <mc:Fallback xmlns="">
           <p:sp>
             <p:nvSpPr>
               <p:cNvPr id="20" name="TextBox 19">
@@ -4362,8 +4061,8 @@
           </p:sp>
         </mc:Fallback>
       </mc:AlternateContent>
-      <mc:AlternateContent xmlns:mc="http://schemas.openxmlformats.org/markup-compatibility/2006">
-        <mc:Choice xmlns:a14="http://schemas.microsoft.com/office/drawing/2010/main" Requires="a14">
+      <mc:AlternateContent xmlns:mc="http://schemas.openxmlformats.org/markup-compatibility/2006" xmlns:a14="http://schemas.microsoft.com/office/drawing/2010/main">
+        <mc:Choice Requires="a14">
           <p:sp>
             <p:nvSpPr>
               <p:cNvPr id="24" name="TextBox 23">
@@ -4526,7 +4225,7 @@
             </p:txBody>
           </p:sp>
         </mc:Choice>
-        <mc:Fallback>
+        <mc:Fallback xmlns="">
           <p:sp>
             <p:nvSpPr>
               <p:cNvPr id="24" name="TextBox 23">
@@ -4624,7 +4323,7 @@
           <a:p>
             <a:fld id="{6D77E1DF-70B5-46E1-B023-64B2364F3E57}" type="datetime1">
               <a:rPr lang="ko-KR" altLang="en-US" smtClean="0"/>
-              <a:t>2021-03-18</a:t>
+              <a:t>2021-03-24</a:t>
             </a:fld>
             <a:endParaRPr lang="ko-KR" altLang="en-US"/>
           </a:p>
@@ -4688,8 +4387,8 @@
           </a:p>
         </p:txBody>
       </p:sp>
-      <mc:AlternateContent xmlns:mc="http://schemas.openxmlformats.org/markup-compatibility/2006">
-        <mc:Choice xmlns:a14="http://schemas.microsoft.com/office/drawing/2010/main" Requires="a14">
+      <mc:AlternateContent xmlns:mc="http://schemas.openxmlformats.org/markup-compatibility/2006" xmlns:a14="http://schemas.microsoft.com/office/drawing/2010/main">
+        <mc:Choice Requires="a14">
           <p:sp>
             <p:nvSpPr>
               <p:cNvPr id="5" name="내용 개체 틀 4">
@@ -4720,25 +4419,25 @@
                   <m:oMath xmlns:m="http://schemas.openxmlformats.org/officeDocument/2006/math">
                     <m:r>
                       <a:rPr lang="en-US" altLang="ko-KR" i="1" smtClean="0">
-                        <a:latin typeface="+mj-lt"/>
+                        <a:latin typeface="Cambria Math" panose="02040503050406030204" pitchFamily="18" charset="0"/>
                       </a:rPr>
                       <m:t>𝐿</m:t>
                     </m:r>
                     <m:r>
                       <a:rPr lang="en-US" altLang="ko-KR" i="1" smtClean="0">
-                        <a:latin typeface="+mj-lt"/>
+                        <a:latin typeface="Cambria Math" panose="02040503050406030204" pitchFamily="18" charset="0"/>
                       </a:rPr>
                       <m:t>(</m:t>
                     </m:r>
                     <m:r>
                       <a:rPr lang="en-US" altLang="ko-KR" i="1" smtClean="0">
-                        <a:latin typeface="+mj-lt"/>
+                        <a:latin typeface="Cambria Math" panose="02040503050406030204" pitchFamily="18" charset="0"/>
                       </a:rPr>
                       <m:t>𝑤</m:t>
                     </m:r>
                     <m:r>
                       <a:rPr lang="en-US" altLang="ko-KR" i="1" smtClean="0">
-                        <a:latin typeface="+mj-lt"/>
+                        <a:latin typeface="Cambria Math" panose="02040503050406030204" pitchFamily="18" charset="0"/>
                       </a:rPr>
                       <m:t>) </m:t>
                     </m:r>
@@ -4780,19 +4479,19 @@
                   <m:oMath xmlns:m="http://schemas.openxmlformats.org/officeDocument/2006/math">
                     <m:r>
                       <a:rPr lang="en-US" altLang="ko-KR" i="1" smtClean="0">
-                        <a:latin typeface="+mj-lt"/>
+                        <a:latin typeface="Cambria Math" panose="02040503050406030204" pitchFamily="18" charset="0"/>
                       </a:rPr>
                       <m:t>[[</m:t>
                     </m:r>
                     <m:r>
                       <a:rPr lang="en-US" altLang="ko-KR" i="1" smtClean="0">
-                        <a:latin typeface="+mj-lt"/>
+                        <a:latin typeface="Cambria Math" panose="02040503050406030204" pitchFamily="18" charset="0"/>
                       </a:rPr>
                       <m:t>𝑥</m:t>
                     </m:r>
                     <m:r>
                       <a:rPr lang="en-US" altLang="ko-KR" i="1" smtClean="0">
-                        <a:latin typeface="+mj-lt"/>
+                        <a:latin typeface="Cambria Math" panose="02040503050406030204" pitchFamily="18" charset="0"/>
                       </a:rPr>
                       <m:t>]] </m:t>
                     </m:r>
@@ -4808,7 +4507,7 @@
                   <m:oMath xmlns:m="http://schemas.openxmlformats.org/officeDocument/2006/math">
                     <m:r>
                       <a:rPr lang="en-US" altLang="ko-KR" i="1" smtClean="0">
-                        <a:latin typeface="+mj-lt"/>
+                        <a:latin typeface="Cambria Math" panose="02040503050406030204" pitchFamily="18" charset="0"/>
                       </a:rPr>
                       <m:t>𝑥</m:t>
                     </m:r>
@@ -4826,7 +4525,7 @@
                   <m:oMath xmlns:m="http://schemas.openxmlformats.org/officeDocument/2006/math">
                     <m:r>
                       <a:rPr lang="en-US" altLang="ko-KR" b="0" i="1" smtClean="0">
-                        <a:latin typeface="+mj-lt"/>
+                        <a:latin typeface="Cambria Math" panose="02040503050406030204" pitchFamily="18" charset="0"/>
                       </a:rPr>
                       <m:t>𝜎</m:t>
                     </m:r>
@@ -4844,55 +4543,55 @@
                   <m:oMath xmlns:m="http://schemas.openxmlformats.org/officeDocument/2006/math">
                     <m:r>
                       <a:rPr lang="pl-PL" altLang="ko-KR" i="1" smtClean="0">
-                        <a:latin typeface="+mj-lt"/>
+                        <a:latin typeface="Cambria Math" panose="02040503050406030204" pitchFamily="18" charset="0"/>
                       </a:rPr>
                       <m:t>𝑛</m:t>
                     </m:r>
                     <m:r>
                       <a:rPr lang="pl-PL" altLang="ko-KR" i="1" smtClean="0">
-                        <a:latin typeface="+mj-lt"/>
+                        <a:latin typeface="Cambria Math" panose="02040503050406030204" pitchFamily="18" charset="0"/>
                       </a:rPr>
                       <m:t>(</m:t>
                     </m:r>
                     <m:r>
                       <a:rPr lang="pl-PL" altLang="ko-KR" i="1" smtClean="0">
-                        <a:latin typeface="+mj-lt"/>
+                        <a:latin typeface="Cambria Math" panose="02040503050406030204" pitchFamily="18" charset="0"/>
                       </a:rPr>
                       <m:t>𝑤</m:t>
                     </m:r>
                     <m:r>
                       <a:rPr lang="pl-PL" altLang="ko-KR" i="1" smtClean="0">
-                        <a:latin typeface="+mj-lt"/>
+                        <a:latin typeface="Cambria Math" panose="02040503050406030204" pitchFamily="18" charset="0"/>
                       </a:rPr>
                       <m:t>, </m:t>
                     </m:r>
                     <m:r>
                       <a:rPr lang="pl-PL" altLang="ko-KR" i="1" smtClean="0">
-                        <a:latin typeface="+mj-lt"/>
+                        <a:latin typeface="Cambria Math" panose="02040503050406030204" pitchFamily="18" charset="0"/>
                       </a:rPr>
                       <m:t>𝐿</m:t>
                     </m:r>
                     <m:r>
                       <a:rPr lang="pl-PL" altLang="ko-KR" i="1" smtClean="0">
-                        <a:latin typeface="+mj-lt"/>
+                        <a:latin typeface="Cambria Math" panose="02040503050406030204" pitchFamily="18" charset="0"/>
                       </a:rPr>
                       <m:t>(</m:t>
                     </m:r>
                     <m:r>
                       <a:rPr lang="pl-PL" altLang="ko-KR" i="1" smtClean="0">
-                        <a:latin typeface="+mj-lt"/>
+                        <a:latin typeface="Cambria Math" panose="02040503050406030204" pitchFamily="18" charset="0"/>
                       </a:rPr>
                       <m:t>𝑤</m:t>
                     </m:r>
                     <m:r>
                       <a:rPr lang="pl-PL" altLang="ko-KR" i="1" smtClean="0">
-                        <a:latin typeface="+mj-lt"/>
+                        <a:latin typeface="Cambria Math" panose="02040503050406030204" pitchFamily="18" charset="0"/>
                       </a:rPr>
                       <m:t>)) = </m:t>
                     </m:r>
                     <m:r>
                       <a:rPr lang="pl-PL" altLang="ko-KR" i="1" smtClean="0">
-                        <a:latin typeface="+mj-lt"/>
+                        <a:latin typeface="Cambria Math" panose="02040503050406030204" pitchFamily="18" charset="0"/>
                       </a:rPr>
                       <m:t>𝑤</m:t>
                     </m:r>
@@ -4907,25 +4606,25 @@
                   <m:oMath xmlns:m="http://schemas.openxmlformats.org/officeDocument/2006/math">
                     <m:r>
                       <a:rPr lang="en-US" altLang="ko-KR" i="1" smtClean="0">
-                        <a:latin typeface="+mj-lt"/>
+                        <a:latin typeface="Cambria Math" panose="02040503050406030204" pitchFamily="18" charset="0"/>
                       </a:rPr>
                       <m:t>𝑐h</m:t>
                     </m:r>
                     <m:r>
                       <a:rPr lang="en-US" altLang="ko-KR" i="1" smtClean="0">
-                        <a:latin typeface="+mj-lt"/>
+                        <a:latin typeface="Cambria Math" panose="02040503050406030204" pitchFamily="18" charset="0"/>
                       </a:rPr>
                       <m:t>(</m:t>
                     </m:r>
                     <m:r>
                       <a:rPr lang="en-US" altLang="ko-KR" i="1" smtClean="0">
-                        <a:latin typeface="+mj-lt"/>
+                        <a:latin typeface="Cambria Math" panose="02040503050406030204" pitchFamily="18" charset="0"/>
                       </a:rPr>
                       <m:t>𝑛</m:t>
                     </m:r>
                     <m:r>
                       <a:rPr lang="en-US" altLang="ko-KR" i="1" smtClean="0">
-                        <a:latin typeface="+mj-lt"/>
+                        <a:latin typeface="Cambria Math" panose="02040503050406030204" pitchFamily="18" charset="0"/>
                       </a:rPr>
                       <m:t>)</m:t>
                     </m:r>
@@ -4947,7 +4646,7 @@
                   <m:oMath xmlns:m="http://schemas.openxmlformats.org/officeDocument/2006/math">
                     <m:r>
                       <a:rPr lang="en-US" altLang="ko-KR" i="1" smtClean="0">
-                        <a:latin typeface="+mj-lt"/>
+                        <a:latin typeface="Cambria Math" panose="02040503050406030204" pitchFamily="18" charset="0"/>
                       </a:rPr>
                       <m:t>𝑛</m:t>
                     </m:r>
@@ -5237,7 +4936,7 @@
             </p:txBody>
           </p:sp>
         </mc:Choice>
-        <mc:Fallback>
+        <mc:Fallback xmlns="">
           <p:sp>
             <p:nvSpPr>
               <p:cNvPr id="5" name="내용 개체 틀 4">
@@ -5390,8 +5089,8 @@
             </a:prstGeom>
           </p:spPr>
         </p:pic>
-        <mc:AlternateContent xmlns:mc="http://schemas.openxmlformats.org/markup-compatibility/2006">
-          <mc:Choice xmlns:a14="http://schemas.microsoft.com/office/drawing/2010/main" Requires="a14">
+        <mc:AlternateContent xmlns:mc="http://schemas.openxmlformats.org/markup-compatibility/2006" xmlns:a14="http://schemas.microsoft.com/office/drawing/2010/main">
+          <mc:Choice Requires="a14">
             <p:sp>
               <p:nvSpPr>
                 <p:cNvPr id="13" name="TextBox 12">
@@ -5446,7 +5145,7 @@
               </p:txBody>
             </p:sp>
           </mc:Choice>
-          <mc:Fallback>
+          <mc:Fallback xmlns="">
             <p:sp>
               <p:nvSpPr>
                 <p:cNvPr id="13" name="TextBox 12">
@@ -5628,7 +5327,7 @@
           <a:p>
             <a:fld id="{6D77E1DF-70B5-46E1-B023-64B2364F3E57}" type="datetime1">
               <a:rPr lang="ko-KR" altLang="en-US" smtClean="0"/>
-              <a:t>2021-03-18</a:t>
+              <a:t>2021-03-24</a:t>
             </a:fld>
             <a:endParaRPr lang="ko-KR" altLang="en-US"/>
           </a:p>
@@ -5758,8 +5457,8 @@
           </a:p>
         </p:txBody>
       </p:sp>
-      <mc:AlternateContent xmlns:mc="http://schemas.openxmlformats.org/markup-compatibility/2006">
-        <mc:Choice xmlns:a14="http://schemas.microsoft.com/office/drawing/2010/main" Requires="a14">
+      <mc:AlternateContent xmlns:mc="http://schemas.openxmlformats.org/markup-compatibility/2006" xmlns:a14="http://schemas.microsoft.com/office/drawing/2010/main">
+        <mc:Choice Requires="a14">
           <p:sp>
             <p:nvSpPr>
               <p:cNvPr id="11" name="내용 개체 틀 4">
@@ -6452,7 +6151,7 @@
             </p:txBody>
           </p:sp>
         </mc:Choice>
-        <mc:Fallback>
+        <mc:Fallback xmlns="">
           <p:sp>
             <p:nvSpPr>
               <p:cNvPr id="11" name="내용 개체 틀 4">
@@ -6550,7 +6249,7 @@
           <a:p>
             <a:fld id="{6D77E1DF-70B5-46E1-B023-64B2364F3E57}" type="datetime1">
               <a:rPr lang="ko-KR" altLang="en-US" smtClean="0"/>
-              <a:t>2021-03-18</a:t>
+              <a:t>2021-03-24</a:t>
             </a:fld>
             <a:endParaRPr lang="ko-KR" altLang="en-US"/>
           </a:p>
@@ -6614,8 +6313,8 @@
           </a:p>
         </p:txBody>
       </p:sp>
-      <mc:AlternateContent xmlns:mc="http://schemas.openxmlformats.org/markup-compatibility/2006">
-        <mc:Choice xmlns:a14="http://schemas.microsoft.com/office/drawing/2010/main" Requires="a14">
+      <mc:AlternateContent xmlns:mc="http://schemas.openxmlformats.org/markup-compatibility/2006" xmlns:a14="http://schemas.microsoft.com/office/drawing/2010/main">
+        <mc:Choice Requires="a14">
           <p:sp>
             <p:nvSpPr>
               <p:cNvPr id="5" name="내용 개체 틀 4">
@@ -6864,7 +6563,7 @@
             </p:txBody>
           </p:sp>
         </mc:Choice>
-        <mc:Fallback>
+        <mc:Fallback xmlns="">
           <p:sp>
             <p:nvSpPr>
               <p:cNvPr id="5" name="내용 개체 틀 4">
@@ -7029,7 +6728,7 @@
           <a:p>
             <a:fld id="{6D77E1DF-70B5-46E1-B023-64B2364F3E57}" type="datetime1">
               <a:rPr lang="ko-KR" altLang="en-US" smtClean="0"/>
-              <a:t>2021-03-18</a:t>
+              <a:t>2021-03-24</a:t>
             </a:fld>
             <a:endParaRPr lang="ko-KR" altLang="en-US"/>
           </a:p>
@@ -7129,8 +6828,8 @@
           </a:p>
         </p:txBody>
       </p:sp>
-      <mc:AlternateContent xmlns:mc="http://schemas.openxmlformats.org/markup-compatibility/2006">
-        <mc:Choice xmlns:a14="http://schemas.microsoft.com/office/drawing/2010/main" Requires="a14">
+      <mc:AlternateContent xmlns:mc="http://schemas.openxmlformats.org/markup-compatibility/2006" xmlns:a14="http://schemas.microsoft.com/office/drawing/2010/main">
+        <mc:Choice Requires="a14">
           <p:sp>
             <p:nvSpPr>
               <p:cNvPr id="8" name="내용 개체 틀 4">
@@ -7714,7 +7413,7 @@
             </p:txBody>
           </p:sp>
         </mc:Choice>
-        <mc:Fallback>
+        <mc:Fallback xmlns="">
           <p:sp>
             <p:nvSpPr>
               <p:cNvPr id="8" name="내용 개체 틀 4">
@@ -7819,93 +7518,6 @@
           <a:chExt cx="0" cy="0"/>
         </a:xfrm>
       </p:grpSpPr>
-      <p:sp>
-        <p:nvSpPr>
-          <p:cNvPr id="3" name="날짜 개체 틀 2">
-            <a:extLst>
-              <a:ext uri="{FF2B5EF4-FFF2-40B4-BE49-F238E27FC236}">
-                <a16:creationId xmlns:a16="http://schemas.microsoft.com/office/drawing/2014/main" id="{3DEEE133-7590-46CA-A8F1-F38E808B6FCD}"/>
-              </a:ext>
-            </a:extLst>
-          </p:cNvPr>
-          <p:cNvSpPr>
-            <a:spLocks noGrp="1"/>
-          </p:cNvSpPr>
-          <p:nvPr>
-            <p:ph type="dt" sz="half" idx="10"/>
-          </p:nvPr>
-        </p:nvSpPr>
-        <p:spPr/>
-        <p:txBody>
-          <a:bodyPr/>
-          <a:lstStyle/>
-          <a:p>
-            <a:fld id="{BDAC257D-86E3-48AB-93A0-F03247742BD1}" type="datetime1">
-              <a:rPr lang="ko-KR" altLang="en-US" smtClean="0"/>
-              <a:t>2021-03-18</a:t>
-            </a:fld>
-            <a:endParaRPr lang="ko-KR" altLang="en-US"/>
-          </a:p>
-        </p:txBody>
-      </p:sp>
-      <p:sp>
-        <p:nvSpPr>
-          <p:cNvPr id="4" name="바닥글 개체 틀 3">
-            <a:extLst>
-              <a:ext uri="{FF2B5EF4-FFF2-40B4-BE49-F238E27FC236}">
-                <a16:creationId xmlns:a16="http://schemas.microsoft.com/office/drawing/2014/main" id="{8D4DC7D0-8ABE-441C-97AC-ABF9385BC1F2}"/>
-              </a:ext>
-            </a:extLst>
-          </p:cNvPr>
-          <p:cNvSpPr>
-            <a:spLocks noGrp="1"/>
-          </p:cNvSpPr>
-          <p:nvPr>
-            <p:ph type="ftr" sz="quarter" idx="11"/>
-          </p:nvPr>
-        </p:nvSpPr>
-        <p:spPr/>
-        <p:txBody>
-          <a:bodyPr/>
-          <a:lstStyle/>
-          <a:p>
-            <a:r>
-              <a:rPr lang="en-US" altLang="ko-KR"/>
-              <a:t>Jaemin-Jeong</a:t>
-            </a:r>
-            <a:endParaRPr lang="ko-KR" altLang="en-US"/>
-          </a:p>
-        </p:txBody>
-      </p:sp>
-      <p:sp>
-        <p:nvSpPr>
-          <p:cNvPr id="5" name="슬라이드 번호 개체 틀 4">
-            <a:extLst>
-              <a:ext uri="{FF2B5EF4-FFF2-40B4-BE49-F238E27FC236}">
-                <a16:creationId xmlns:a16="http://schemas.microsoft.com/office/drawing/2014/main" id="{03D5BBAB-C39B-47EB-844B-CBDD9FBE166C}"/>
-              </a:ext>
-            </a:extLst>
-          </p:cNvPr>
-          <p:cNvSpPr>
-            <a:spLocks noGrp="1"/>
-          </p:cNvSpPr>
-          <p:nvPr>
-            <p:ph type="sldNum" sz="quarter" idx="12"/>
-          </p:nvPr>
-        </p:nvSpPr>
-        <p:spPr/>
-        <p:txBody>
-          <a:bodyPr/>
-          <a:lstStyle/>
-          <a:p>
-            <a:fld id="{3427A839-0635-4E04-82BD-3D4B222E5809}" type="slidenum">
-              <a:rPr lang="ko-KR" altLang="en-US" smtClean="0"/>
-              <a:t>15</a:t>
-            </a:fld>
-            <a:endParaRPr lang="ko-KR" altLang="en-US"/>
-          </a:p>
-        </p:txBody>
-      </p:sp>
       <p:pic>
         <p:nvPicPr>
           <p:cNvPr id="6" name="내용 개체 틀 7">
@@ -7935,6 +7547,93 @@
           </a:xfrm>
         </p:spPr>
       </p:pic>
+      <p:sp>
+        <p:nvSpPr>
+          <p:cNvPr id="3" name="날짜 개체 틀 2">
+            <a:extLst>
+              <a:ext uri="{FF2B5EF4-FFF2-40B4-BE49-F238E27FC236}">
+                <a16:creationId xmlns:a16="http://schemas.microsoft.com/office/drawing/2014/main" id="{3DEEE133-7590-46CA-A8F1-F38E808B6FCD}"/>
+              </a:ext>
+            </a:extLst>
+          </p:cNvPr>
+          <p:cNvSpPr>
+            <a:spLocks noGrp="1"/>
+          </p:cNvSpPr>
+          <p:nvPr>
+            <p:ph type="dt" sz="half" idx="10"/>
+          </p:nvPr>
+        </p:nvSpPr>
+        <p:spPr/>
+        <p:txBody>
+          <a:bodyPr/>
+          <a:lstStyle/>
+          <a:p>
+            <a:fld id="{BDAC257D-86E3-48AB-93A0-F03247742BD1}" type="datetime1">
+              <a:rPr lang="ko-KR" altLang="en-US" smtClean="0"/>
+              <a:t>2021-03-24</a:t>
+            </a:fld>
+            <a:endParaRPr lang="ko-KR" altLang="en-US"/>
+          </a:p>
+        </p:txBody>
+      </p:sp>
+      <p:sp>
+        <p:nvSpPr>
+          <p:cNvPr id="4" name="바닥글 개체 틀 3">
+            <a:extLst>
+              <a:ext uri="{FF2B5EF4-FFF2-40B4-BE49-F238E27FC236}">
+                <a16:creationId xmlns:a16="http://schemas.microsoft.com/office/drawing/2014/main" id="{8D4DC7D0-8ABE-441C-97AC-ABF9385BC1F2}"/>
+              </a:ext>
+            </a:extLst>
+          </p:cNvPr>
+          <p:cNvSpPr>
+            <a:spLocks noGrp="1"/>
+          </p:cNvSpPr>
+          <p:nvPr>
+            <p:ph type="ftr" sz="quarter" idx="11"/>
+          </p:nvPr>
+        </p:nvSpPr>
+        <p:spPr/>
+        <p:txBody>
+          <a:bodyPr/>
+          <a:lstStyle/>
+          <a:p>
+            <a:r>
+              <a:rPr lang="en-US" altLang="ko-KR"/>
+              <a:t>Jaemin-Jeong</a:t>
+            </a:r>
+            <a:endParaRPr lang="ko-KR" altLang="en-US"/>
+          </a:p>
+        </p:txBody>
+      </p:sp>
+      <p:sp>
+        <p:nvSpPr>
+          <p:cNvPr id="5" name="슬라이드 번호 개체 틀 4">
+            <a:extLst>
+              <a:ext uri="{FF2B5EF4-FFF2-40B4-BE49-F238E27FC236}">
+                <a16:creationId xmlns:a16="http://schemas.microsoft.com/office/drawing/2014/main" id="{03D5BBAB-C39B-47EB-844B-CBDD9FBE166C}"/>
+              </a:ext>
+            </a:extLst>
+          </p:cNvPr>
+          <p:cNvSpPr>
+            <a:spLocks noGrp="1"/>
+          </p:cNvSpPr>
+          <p:nvPr>
+            <p:ph type="sldNum" sz="quarter" idx="12"/>
+          </p:nvPr>
+        </p:nvSpPr>
+        <p:spPr/>
+        <p:txBody>
+          <a:bodyPr/>
+          <a:lstStyle/>
+          <a:p>
+            <a:fld id="{3427A839-0635-4E04-82BD-3D4B222E5809}" type="slidenum">
+              <a:rPr lang="ko-KR" altLang="en-US" smtClean="0"/>
+              <a:t>15</a:t>
+            </a:fld>
+            <a:endParaRPr lang="ko-KR" altLang="en-US"/>
+          </a:p>
+        </p:txBody>
+      </p:sp>
     </p:spTree>
     <p:extLst>
       <p:ext uri="{BB962C8B-B14F-4D97-AF65-F5344CB8AC3E}">
@@ -7988,7 +7687,7 @@
           <a:p>
             <a:fld id="{6D77E1DF-70B5-46E1-B023-64B2364F3E57}" type="datetime1">
               <a:rPr lang="ko-KR" altLang="en-US" smtClean="0"/>
-              <a:t>2021-03-18</a:t>
+              <a:t>2021-03-24</a:t>
             </a:fld>
             <a:endParaRPr lang="ko-KR" altLang="en-US"/>
           </a:p>
@@ -8110,8 +7809,8 @@
           </a:p>
         </p:txBody>
       </p:sp>
-      <mc:AlternateContent xmlns:mc="http://schemas.openxmlformats.org/markup-compatibility/2006">
-        <mc:Choice xmlns:a14="http://schemas.microsoft.com/office/drawing/2010/main" Requires="a14">
+      <mc:AlternateContent xmlns:mc="http://schemas.openxmlformats.org/markup-compatibility/2006" xmlns:a14="http://schemas.microsoft.com/office/drawing/2010/main">
+        <mc:Choice Requires="a14">
           <p:sp>
             <p:nvSpPr>
               <p:cNvPr id="9" name="내용 개체 틀 4">
@@ -8516,7 +8215,7 @@
             </p:txBody>
           </p:sp>
         </mc:Choice>
-        <mc:Fallback>
+        <mc:Fallback xmlns="">
           <p:sp>
             <p:nvSpPr>
               <p:cNvPr id="9" name="내용 개체 틀 4">
@@ -8614,7 +8313,7 @@
           <a:p>
             <a:fld id="{6D77E1DF-70B5-46E1-B023-64B2364F3E57}" type="datetime1">
               <a:rPr lang="ko-KR" altLang="en-US" smtClean="0"/>
-              <a:t>2021-03-18</a:t>
+              <a:t>2021-03-24</a:t>
             </a:fld>
             <a:endParaRPr lang="ko-KR" altLang="en-US"/>
           </a:p>
@@ -8839,93 +8538,6 @@
           <a:chExt cx="0" cy="0"/>
         </a:xfrm>
       </p:grpSpPr>
-      <p:sp>
-        <p:nvSpPr>
-          <p:cNvPr id="3" name="날짜 개체 틀 2">
-            <a:extLst>
-              <a:ext uri="{FF2B5EF4-FFF2-40B4-BE49-F238E27FC236}">
-                <a16:creationId xmlns:a16="http://schemas.microsoft.com/office/drawing/2014/main" id="{3DEEE133-7590-46CA-A8F1-F38E808B6FCD}"/>
-              </a:ext>
-            </a:extLst>
-          </p:cNvPr>
-          <p:cNvSpPr>
-            <a:spLocks noGrp="1"/>
-          </p:cNvSpPr>
-          <p:nvPr>
-            <p:ph type="dt" sz="half" idx="10"/>
-          </p:nvPr>
-        </p:nvSpPr>
-        <p:spPr/>
-        <p:txBody>
-          <a:bodyPr/>
-          <a:lstStyle/>
-          <a:p>
-            <a:fld id="{BDAC257D-86E3-48AB-93A0-F03247742BD1}" type="datetime1">
-              <a:rPr lang="ko-KR" altLang="en-US" smtClean="0"/>
-              <a:t>2021-03-18</a:t>
-            </a:fld>
-            <a:endParaRPr lang="ko-KR" altLang="en-US"/>
-          </a:p>
-        </p:txBody>
-      </p:sp>
-      <p:sp>
-        <p:nvSpPr>
-          <p:cNvPr id="4" name="바닥글 개체 틀 3">
-            <a:extLst>
-              <a:ext uri="{FF2B5EF4-FFF2-40B4-BE49-F238E27FC236}">
-                <a16:creationId xmlns:a16="http://schemas.microsoft.com/office/drawing/2014/main" id="{8D4DC7D0-8ABE-441C-97AC-ABF9385BC1F2}"/>
-              </a:ext>
-            </a:extLst>
-          </p:cNvPr>
-          <p:cNvSpPr>
-            <a:spLocks noGrp="1"/>
-          </p:cNvSpPr>
-          <p:nvPr>
-            <p:ph type="ftr" sz="quarter" idx="11"/>
-          </p:nvPr>
-        </p:nvSpPr>
-        <p:spPr/>
-        <p:txBody>
-          <a:bodyPr/>
-          <a:lstStyle/>
-          <a:p>
-            <a:r>
-              <a:rPr lang="en-US" altLang="ko-KR"/>
-              <a:t>Jaemin-Jeong</a:t>
-            </a:r>
-            <a:endParaRPr lang="ko-KR" altLang="en-US"/>
-          </a:p>
-        </p:txBody>
-      </p:sp>
-      <p:sp>
-        <p:nvSpPr>
-          <p:cNvPr id="5" name="슬라이드 번호 개체 틀 4">
-            <a:extLst>
-              <a:ext uri="{FF2B5EF4-FFF2-40B4-BE49-F238E27FC236}">
-                <a16:creationId xmlns:a16="http://schemas.microsoft.com/office/drawing/2014/main" id="{03D5BBAB-C39B-47EB-844B-CBDD9FBE166C}"/>
-              </a:ext>
-            </a:extLst>
-          </p:cNvPr>
-          <p:cNvSpPr>
-            <a:spLocks noGrp="1"/>
-          </p:cNvSpPr>
-          <p:nvPr>
-            <p:ph type="sldNum" sz="quarter" idx="12"/>
-          </p:nvPr>
-        </p:nvSpPr>
-        <p:spPr/>
-        <p:txBody>
-          <a:bodyPr/>
-          <a:lstStyle/>
-          <a:p>
-            <a:fld id="{3427A839-0635-4E04-82BD-3D4B222E5809}" type="slidenum">
-              <a:rPr lang="ko-KR" altLang="en-US" smtClean="0"/>
-              <a:t>18</a:t>
-            </a:fld>
-            <a:endParaRPr lang="ko-KR" altLang="en-US"/>
-          </a:p>
-        </p:txBody>
-      </p:sp>
       <p:pic>
         <p:nvPicPr>
           <p:cNvPr id="6" name="내용 개체 틀 7">
@@ -8955,6 +8567,93 @@
           </a:xfrm>
         </p:spPr>
       </p:pic>
+      <p:sp>
+        <p:nvSpPr>
+          <p:cNvPr id="3" name="날짜 개체 틀 2">
+            <a:extLst>
+              <a:ext uri="{FF2B5EF4-FFF2-40B4-BE49-F238E27FC236}">
+                <a16:creationId xmlns:a16="http://schemas.microsoft.com/office/drawing/2014/main" id="{3DEEE133-7590-46CA-A8F1-F38E808B6FCD}"/>
+              </a:ext>
+            </a:extLst>
+          </p:cNvPr>
+          <p:cNvSpPr>
+            <a:spLocks noGrp="1"/>
+          </p:cNvSpPr>
+          <p:nvPr>
+            <p:ph type="dt" sz="half" idx="10"/>
+          </p:nvPr>
+        </p:nvSpPr>
+        <p:spPr/>
+        <p:txBody>
+          <a:bodyPr/>
+          <a:lstStyle/>
+          <a:p>
+            <a:fld id="{BDAC257D-86E3-48AB-93A0-F03247742BD1}" type="datetime1">
+              <a:rPr lang="ko-KR" altLang="en-US" smtClean="0"/>
+              <a:t>2021-03-24</a:t>
+            </a:fld>
+            <a:endParaRPr lang="ko-KR" altLang="en-US"/>
+          </a:p>
+        </p:txBody>
+      </p:sp>
+      <p:sp>
+        <p:nvSpPr>
+          <p:cNvPr id="4" name="바닥글 개체 틀 3">
+            <a:extLst>
+              <a:ext uri="{FF2B5EF4-FFF2-40B4-BE49-F238E27FC236}">
+                <a16:creationId xmlns:a16="http://schemas.microsoft.com/office/drawing/2014/main" id="{8D4DC7D0-8ABE-441C-97AC-ABF9385BC1F2}"/>
+              </a:ext>
+            </a:extLst>
+          </p:cNvPr>
+          <p:cNvSpPr>
+            <a:spLocks noGrp="1"/>
+          </p:cNvSpPr>
+          <p:nvPr>
+            <p:ph type="ftr" sz="quarter" idx="11"/>
+          </p:nvPr>
+        </p:nvSpPr>
+        <p:spPr/>
+        <p:txBody>
+          <a:bodyPr/>
+          <a:lstStyle/>
+          <a:p>
+            <a:r>
+              <a:rPr lang="en-US" altLang="ko-KR"/>
+              <a:t>Jaemin-Jeong</a:t>
+            </a:r>
+            <a:endParaRPr lang="ko-KR" altLang="en-US"/>
+          </a:p>
+        </p:txBody>
+      </p:sp>
+      <p:sp>
+        <p:nvSpPr>
+          <p:cNvPr id="5" name="슬라이드 번호 개체 틀 4">
+            <a:extLst>
+              <a:ext uri="{FF2B5EF4-FFF2-40B4-BE49-F238E27FC236}">
+                <a16:creationId xmlns:a16="http://schemas.microsoft.com/office/drawing/2014/main" id="{03D5BBAB-C39B-47EB-844B-CBDD9FBE166C}"/>
+              </a:ext>
+            </a:extLst>
+          </p:cNvPr>
+          <p:cNvSpPr>
+            <a:spLocks noGrp="1"/>
+          </p:cNvSpPr>
+          <p:nvPr>
+            <p:ph type="sldNum" sz="quarter" idx="12"/>
+          </p:nvPr>
+        </p:nvSpPr>
+        <p:spPr/>
+        <p:txBody>
+          <a:bodyPr/>
+          <a:lstStyle/>
+          <a:p>
+            <a:fld id="{3427A839-0635-4E04-82BD-3D4B222E5809}" type="slidenum">
+              <a:rPr lang="ko-KR" altLang="en-US" smtClean="0"/>
+              <a:t>18</a:t>
+            </a:fld>
+            <a:endParaRPr lang="ko-KR" altLang="en-US"/>
+          </a:p>
+        </p:txBody>
+      </p:sp>
     </p:spTree>
     <p:extLst>
       <p:ext uri="{BB962C8B-B14F-4D97-AF65-F5344CB8AC3E}">
@@ -9008,7 +8707,7 @@
           <a:p>
             <a:fld id="{6D77E1DF-70B5-46E1-B023-64B2364F3E57}" type="datetime1">
               <a:rPr lang="ko-KR" altLang="en-US" smtClean="0"/>
-              <a:t>2021-03-18</a:t>
+              <a:t>2021-03-24</a:t>
             </a:fld>
             <a:endParaRPr lang="ko-KR" altLang="en-US"/>
           </a:p>
@@ -9131,8 +8830,8 @@
           </a:prstGeom>
         </p:spPr>
       </p:pic>
-      <mc:AlternateContent xmlns:mc="http://schemas.openxmlformats.org/markup-compatibility/2006">
-        <mc:Choice xmlns:a14="http://schemas.microsoft.com/office/drawing/2010/main" Requires="a14">
+      <mc:AlternateContent xmlns:mc="http://schemas.openxmlformats.org/markup-compatibility/2006" xmlns:a14="http://schemas.microsoft.com/office/drawing/2010/main">
+        <mc:Choice Requires="a14">
           <p:sp>
             <p:nvSpPr>
               <p:cNvPr id="11" name="내용 개체 틀 4">
@@ -9473,7 +9172,7 @@
             </p:txBody>
           </p:sp>
         </mc:Choice>
-        <mc:Fallback>
+        <mc:Fallback xmlns="">
           <p:sp>
             <p:nvSpPr>
               <p:cNvPr id="11" name="내용 개체 틀 4">
@@ -9571,7 +9270,7 @@
           <a:p>
             <a:fld id="{95C9282A-F13E-448B-9611-95711A882807}" type="datetime1">
               <a:rPr lang="ko-KR" altLang="en-US" smtClean="0"/>
-              <a:t>2021-03-18</a:t>
+              <a:t>2021-03-24</a:t>
             </a:fld>
             <a:endParaRPr lang="ko-KR" altLang="en-US"/>
           </a:p>
@@ -9742,7 +9441,7 @@
           <a:p>
             <a:fld id="{6D77E1DF-70B5-46E1-B023-64B2364F3E57}" type="datetime1">
               <a:rPr lang="ko-KR" altLang="en-US" smtClean="0"/>
-              <a:t>2021-03-18</a:t>
+              <a:t>2021-03-24</a:t>
             </a:fld>
             <a:endParaRPr lang="ko-KR" altLang="en-US"/>
           </a:p>
@@ -9917,7 +9616,7 @@
           <a:p>
             <a:fld id="{6D77E1DF-70B5-46E1-B023-64B2364F3E57}" type="datetime1">
               <a:rPr lang="ko-KR" altLang="en-US" smtClean="0"/>
-              <a:t>2021-03-18</a:t>
+              <a:t>2021-03-24</a:t>
             </a:fld>
             <a:endParaRPr lang="ko-KR" altLang="en-US"/>
           </a:p>
@@ -10190,7 +9889,7 @@
           <a:p>
             <a:fld id="{6D77E1DF-70B5-46E1-B023-64B2364F3E57}" type="datetime1">
               <a:rPr lang="ko-KR" altLang="en-US" smtClean="0"/>
-              <a:t>2021-03-18</a:t>
+              <a:t>2021-03-24</a:t>
             </a:fld>
             <a:endParaRPr lang="ko-KR" altLang="en-US"/>
           </a:p>
@@ -10571,7 +10270,7 @@
           <a:p>
             <a:fld id="{6D77E1DF-70B5-46E1-B023-64B2364F3E57}" type="datetime1">
               <a:rPr lang="ko-KR" altLang="en-US" smtClean="0"/>
-              <a:t>2021-03-18</a:t>
+              <a:t>2021-03-24</a:t>
             </a:fld>
             <a:endParaRPr lang="ko-KR" altLang="en-US"/>
           </a:p>
@@ -10631,35 +10330,6 @@
               <a:rPr lang="ko-KR" altLang="en-US" smtClean="0"/>
               <a:t>23</a:t>
             </a:fld>
-            <a:endParaRPr lang="ko-KR" altLang="en-US"/>
-          </a:p>
-        </p:txBody>
-      </p:sp>
-      <p:sp>
-        <p:nvSpPr>
-          <p:cNvPr id="6" name="제목 5">
-            <a:extLst>
-              <a:ext uri="{FF2B5EF4-FFF2-40B4-BE49-F238E27FC236}">
-                <a16:creationId xmlns:a16="http://schemas.microsoft.com/office/drawing/2014/main" id="{43204644-9C9F-4339-8CB6-6F94F824144E}"/>
-              </a:ext>
-            </a:extLst>
-          </p:cNvPr>
-          <p:cNvSpPr>
-            <a:spLocks noGrp="1"/>
-          </p:cNvSpPr>
-          <p:nvPr>
-            <p:ph type="title"/>
-          </p:nvPr>
-        </p:nvSpPr>
-        <p:spPr/>
-        <p:txBody>
-          <a:bodyPr/>
-          <a:lstStyle/>
-          <a:p>
-            <a:r>
-              <a:rPr lang="en-US" altLang="ko-KR"/>
-              <a:t>Comparison to Published Word Representations</a:t>
-            </a:r>
             <a:endParaRPr lang="ko-KR" altLang="en-US"/>
           </a:p>
         </p:txBody>
@@ -10693,6 +10363,35 @@
           </a:xfrm>
         </p:spPr>
       </p:pic>
+      <p:sp>
+        <p:nvSpPr>
+          <p:cNvPr id="6" name="제목 5">
+            <a:extLst>
+              <a:ext uri="{FF2B5EF4-FFF2-40B4-BE49-F238E27FC236}">
+                <a16:creationId xmlns:a16="http://schemas.microsoft.com/office/drawing/2014/main" id="{43204644-9C9F-4339-8CB6-6F94F824144E}"/>
+              </a:ext>
+            </a:extLst>
+          </p:cNvPr>
+          <p:cNvSpPr>
+            <a:spLocks noGrp="1"/>
+          </p:cNvSpPr>
+          <p:nvPr>
+            <p:ph type="title"/>
+          </p:nvPr>
+        </p:nvSpPr>
+        <p:spPr/>
+        <p:txBody>
+          <a:bodyPr/>
+          <a:lstStyle/>
+          <a:p>
+            <a:r>
+              <a:rPr lang="en-US" altLang="ko-KR"/>
+              <a:t>Comparison to Published Word Representations</a:t>
+            </a:r>
+            <a:endParaRPr lang="ko-KR" altLang="en-US"/>
+          </a:p>
+        </p:txBody>
+      </p:sp>
       <p:sp>
         <p:nvSpPr>
           <p:cNvPr id="19" name="내용 개체 틀 4">
@@ -11027,7 +10726,7 @@
           <a:p>
             <a:fld id="{6D77E1DF-70B5-46E1-B023-64B2364F3E57}" type="datetime1">
               <a:rPr lang="ko-KR" altLang="en-US" smtClean="0"/>
-              <a:t>2021-03-18</a:t>
+              <a:t>2021-03-24</a:t>
             </a:fld>
             <a:endParaRPr lang="ko-KR" altLang="en-US"/>
           </a:p>
@@ -11272,7 +10971,7 @@
           <a:p>
             <a:fld id="{C0582F0F-1FDE-4225-86FE-9C8E6D8F0632}" type="datetime1">
               <a:rPr lang="ko-KR" altLang="en-US" smtClean="0"/>
-              <a:t>2021-03-18</a:t>
+              <a:t>2021-03-24</a:t>
             </a:fld>
             <a:endParaRPr lang="ko-KR" altLang="en-US"/>
           </a:p>
@@ -11572,7 +11271,7 @@
         <p:spPr>
           <a:xfrm>
             <a:off x="622300" y="2542223"/>
-            <a:ext cx="1252056" cy="369332"/>
+            <a:ext cx="1329592" cy="369332"/>
           </a:xfrm>
           <a:prstGeom prst="rect">
             <a:avLst/>
@@ -11646,7 +11345,7 @@
           <a:p>
             <a:fld id="{6D77E1DF-70B5-46E1-B023-64B2364F3E57}" type="datetime1">
               <a:rPr lang="ko-KR" altLang="en-US" smtClean="0"/>
-              <a:t>2021-03-18</a:t>
+              <a:t>2021-03-24</a:t>
             </a:fld>
             <a:endParaRPr lang="ko-KR" altLang="en-US"/>
           </a:p>
@@ -11910,7 +11609,7 @@
           <a:p>
             <a:fld id="{6D77E1DF-70B5-46E1-B023-64B2364F3E57}" type="datetime1">
               <a:rPr lang="ko-KR" altLang="en-US" smtClean="0"/>
-              <a:t>2021-03-18</a:t>
+              <a:t>2021-03-24</a:t>
             </a:fld>
             <a:endParaRPr lang="ko-KR" altLang="en-US"/>
           </a:p>
@@ -12234,7 +11933,7 @@
           <a:p>
             <a:fld id="{C0582F0F-1FDE-4225-86FE-9C8E6D8F0632}" type="datetime1">
               <a:rPr lang="ko-KR" altLang="en-US" smtClean="0"/>
-              <a:t>2021-03-18</a:t>
+              <a:t>2021-03-24</a:t>
             </a:fld>
             <a:endParaRPr lang="ko-KR" altLang="en-US"/>
           </a:p>
@@ -12295,35 +11994,6 @@
               <a:t>6</a:t>
             </a:fld>
             <a:endParaRPr lang="ko-KR" altLang="en-US"/>
-          </a:p>
-        </p:txBody>
-      </p:sp>
-      <p:sp>
-        <p:nvSpPr>
-          <p:cNvPr id="3" name="제목 2">
-            <a:extLst>
-              <a:ext uri="{FF2B5EF4-FFF2-40B4-BE49-F238E27FC236}">
-                <a16:creationId xmlns:a16="http://schemas.microsoft.com/office/drawing/2014/main" id="{24BF40FD-AE0A-407A-938D-94878DD91206}"/>
-              </a:ext>
-            </a:extLst>
-          </p:cNvPr>
-          <p:cNvSpPr>
-            <a:spLocks noGrp="1"/>
-          </p:cNvSpPr>
-          <p:nvPr>
-            <p:ph type="title"/>
-          </p:nvPr>
-        </p:nvSpPr>
-        <p:spPr/>
-        <p:txBody>
-          <a:bodyPr/>
-          <a:lstStyle/>
-          <a:p>
-            <a:r>
-              <a:rPr lang="en-US" altLang="ko-KR" b="1"/>
-              <a:t>What is the Distributed Representations?</a:t>
-            </a:r>
-            <a:endParaRPr lang="ko-KR" altLang="en-US" b="1"/>
           </a:p>
         </p:txBody>
       </p:sp>
@@ -12376,6 +12046,35 @@
           </a:extLst>
         </p:spPr>
       </p:pic>
+      <p:sp>
+        <p:nvSpPr>
+          <p:cNvPr id="3" name="제목 2">
+            <a:extLst>
+              <a:ext uri="{FF2B5EF4-FFF2-40B4-BE49-F238E27FC236}">
+                <a16:creationId xmlns:a16="http://schemas.microsoft.com/office/drawing/2014/main" id="{24BF40FD-AE0A-407A-938D-94878DD91206}"/>
+              </a:ext>
+            </a:extLst>
+          </p:cNvPr>
+          <p:cNvSpPr>
+            <a:spLocks noGrp="1"/>
+          </p:cNvSpPr>
+          <p:nvPr>
+            <p:ph type="title"/>
+          </p:nvPr>
+        </p:nvSpPr>
+        <p:spPr/>
+        <p:txBody>
+          <a:bodyPr/>
+          <a:lstStyle/>
+          <a:p>
+            <a:r>
+              <a:rPr lang="en-US" altLang="ko-KR" b="1"/>
+              <a:t>What is the Distributed Representations?</a:t>
+            </a:r>
+            <a:endParaRPr lang="ko-KR" altLang="en-US" b="1"/>
+          </a:p>
+        </p:txBody>
+      </p:sp>
       <p:sp>
         <p:nvSpPr>
           <p:cNvPr id="12" name="TextBox 11">
@@ -12477,7 +12176,7 @@
           <a:p>
             <a:fld id="{6D77E1DF-70B5-46E1-B023-64B2364F3E57}" type="datetime1">
               <a:rPr lang="ko-KR" altLang="en-US" smtClean="0"/>
-              <a:t>2021-03-18</a:t>
+              <a:t>2021-03-24</a:t>
             </a:fld>
             <a:endParaRPr lang="ko-KR" altLang="en-US"/>
           </a:p>
@@ -12537,35 +12236,6 @@
               <a:rPr lang="ko-KR" altLang="en-US" smtClean="0"/>
               <a:t>7</a:t>
             </a:fld>
-            <a:endParaRPr lang="ko-KR" altLang="en-US"/>
-          </a:p>
-        </p:txBody>
-      </p:sp>
-      <p:sp>
-        <p:nvSpPr>
-          <p:cNvPr id="6" name="제목 5">
-            <a:extLst>
-              <a:ext uri="{FF2B5EF4-FFF2-40B4-BE49-F238E27FC236}">
-                <a16:creationId xmlns:a16="http://schemas.microsoft.com/office/drawing/2014/main" id="{B33BEAF1-6F04-4FBF-9415-FD9FFB06144C}"/>
-              </a:ext>
-            </a:extLst>
-          </p:cNvPr>
-          <p:cNvSpPr>
-            <a:spLocks noGrp="1"/>
-          </p:cNvSpPr>
-          <p:nvPr>
-            <p:ph type="title"/>
-          </p:nvPr>
-        </p:nvSpPr>
-        <p:spPr/>
-        <p:txBody>
-          <a:bodyPr/>
-          <a:lstStyle/>
-          <a:p>
-            <a:r>
-              <a:rPr lang="en-US" altLang="ko-KR" b="1"/>
-              <a:t>What is the Hierarhical Softmax?</a:t>
-            </a:r>
             <a:endParaRPr lang="ko-KR" altLang="en-US"/>
           </a:p>
         </p:txBody>
@@ -12619,6 +12289,35 @@
           </a:extLst>
         </p:spPr>
       </p:pic>
+      <p:sp>
+        <p:nvSpPr>
+          <p:cNvPr id="6" name="제목 5">
+            <a:extLst>
+              <a:ext uri="{FF2B5EF4-FFF2-40B4-BE49-F238E27FC236}">
+                <a16:creationId xmlns:a16="http://schemas.microsoft.com/office/drawing/2014/main" id="{B33BEAF1-6F04-4FBF-9415-FD9FFB06144C}"/>
+              </a:ext>
+            </a:extLst>
+          </p:cNvPr>
+          <p:cNvSpPr>
+            <a:spLocks noGrp="1"/>
+          </p:cNvSpPr>
+          <p:nvPr>
+            <p:ph type="title"/>
+          </p:nvPr>
+        </p:nvSpPr>
+        <p:spPr/>
+        <p:txBody>
+          <a:bodyPr/>
+          <a:lstStyle/>
+          <a:p>
+            <a:r>
+              <a:rPr lang="en-US" altLang="ko-KR" b="1"/>
+              <a:t>What is the Hierarhical Softmax?</a:t>
+            </a:r>
+            <a:endParaRPr lang="ko-KR" altLang="en-US"/>
+          </a:p>
+        </p:txBody>
+      </p:sp>
     </p:spTree>
     <p:extLst>
       <p:ext uri="{BB962C8B-B14F-4D97-AF65-F5344CB8AC3E}">
@@ -12672,7 +12371,7 @@
           <a:p>
             <a:fld id="{6D77E1DF-70B5-46E1-B023-64B2364F3E57}" type="datetime1">
               <a:rPr lang="ko-KR" altLang="en-US" smtClean="0"/>
-              <a:t>2021-03-18</a:t>
+              <a:t>2021-03-24</a:t>
             </a:fld>
             <a:endParaRPr lang="ko-KR" altLang="en-US"/>
           </a:p>
@@ -13106,7 +12805,7 @@
           <a:p>
             <a:fld id="{6D77E1DF-70B5-46E1-B023-64B2364F3E57}" type="datetime1">
               <a:rPr lang="ko-KR" altLang="en-US" smtClean="0"/>
-              <a:t>2021-03-18</a:t>
+              <a:t>2021-03-24</a:t>
             </a:fld>
             <a:endParaRPr lang="ko-KR" altLang="en-US"/>
           </a:p>
@@ -13170,6 +12869,729 @@
           </a:p>
         </p:txBody>
       </p:sp>
+      <mc:AlternateContent xmlns:mc="http://schemas.openxmlformats.org/markup-compatibility/2006" xmlns:a14="http://schemas.microsoft.com/office/drawing/2010/main">
+        <mc:Choice Requires="a14">
+          <p:sp>
+            <p:nvSpPr>
+              <p:cNvPr id="5" name="내용 개체 틀 4">
+                <a:extLst>
+                  <a:ext uri="{FF2B5EF4-FFF2-40B4-BE49-F238E27FC236}">
+                    <a16:creationId xmlns:a16="http://schemas.microsoft.com/office/drawing/2014/main" id="{7ABF33DB-1F52-45DE-AFF0-920404DFA63B}"/>
+                  </a:ext>
+                </a:extLst>
+              </p:cNvPr>
+              <p:cNvSpPr>
+                <a:spLocks noGrp="1"/>
+              </p:cNvSpPr>
+              <p:nvPr>
+                <p:ph sz="quarter" idx="13"/>
+              </p:nvPr>
+            </p:nvSpPr>
+            <p:spPr>
+              <a:xfrm>
+                <a:off x="622300" y="890588"/>
+                <a:ext cx="11569700" cy="5602284"/>
+              </a:xfrm>
+            </p:spPr>
+            <p:txBody>
+              <a:bodyPr/>
+              <a:lstStyle/>
+              <a:p>
+                <a:pPr marL="0" indent="0">
+                  <a:buNone/>
+                </a:pPr>
+                <a:r>
+                  <a:rPr lang="en-US" altLang="ko-KR"/>
+                  <a:t>The </a:t>
+                </a:r>
+                <a:r>
+                  <a:rPr lang="en-US" altLang="ko-KR">
+                    <a:solidFill>
+                      <a:srgbClr val="C00000"/>
+                    </a:solidFill>
+                  </a:rPr>
+                  <a:t>training objective </a:t>
+                </a:r>
+                <a:r>
+                  <a:rPr lang="en-US" altLang="ko-KR"/>
+                  <a:t>of the Skip-gram model is to </a:t>
+                </a:r>
+                <a:r>
+                  <a:rPr lang="en-US" altLang="ko-KR">
+                    <a:solidFill>
+                      <a:srgbClr val="C00000"/>
+                    </a:solidFill>
+                  </a:rPr>
+                  <a:t>find word representations </a:t>
+                </a:r>
+                <a:r>
+                  <a:rPr lang="en-US" altLang="ko-KR"/>
+                  <a:t>that are useful for predicting the surrounding words in a sentence or a document.</a:t>
+                </a:r>
+              </a:p>
+              <a:p>
+                <a:pPr marL="0" indent="0">
+                  <a:buNone/>
+                </a:pPr>
+                <a:endParaRPr lang="en-US" altLang="ko-KR"/>
+              </a:p>
+              <a:p>
+                <a:pPr lvl="1"/>
+                <a:r>
+                  <a:rPr lang="en-US" altLang="ko-KR"/>
+                  <a:t>Sequence of training words : </a:t>
+                </a:r>
+                <a14:m>
+                  <m:oMath xmlns:m="http://schemas.openxmlformats.org/officeDocument/2006/math">
+                    <m:sSub>
+                      <m:sSubPr>
+                        <m:ctrlPr>
+                          <a:rPr lang="en-US" altLang="ko-KR" b="1" i="1" smtClean="0">
+                            <a:latin typeface="Cambria Math" panose="02040503050406030204" pitchFamily="18" charset="0"/>
+                          </a:rPr>
+                        </m:ctrlPr>
+                      </m:sSubPr>
+                      <m:e>
+                        <m:r>
+                          <a:rPr lang="en-US" altLang="ko-KR" b="1" i="1" smtClean="0">
+                            <a:latin typeface="Cambria Math" panose="02040503050406030204" pitchFamily="18" charset="0"/>
+                          </a:rPr>
+                          <m:t>𝒘</m:t>
+                        </m:r>
+                      </m:e>
+                      <m:sub>
+                        <m:r>
+                          <a:rPr lang="en-US" altLang="ko-KR" b="1" i="1" smtClean="0">
+                            <a:latin typeface="Cambria Math" panose="02040503050406030204" pitchFamily="18" charset="0"/>
+                          </a:rPr>
+                          <m:t>𝟏</m:t>
+                        </m:r>
+                      </m:sub>
+                    </m:sSub>
+                    <m:r>
+                      <a:rPr lang="en-US" altLang="ko-KR" b="1" i="1" smtClean="0">
+                        <a:latin typeface="Cambria Math" panose="02040503050406030204" pitchFamily="18" charset="0"/>
+                      </a:rPr>
+                      <m:t>, </m:t>
+                    </m:r>
+                    <m:sSub>
+                      <m:sSubPr>
+                        <m:ctrlPr>
+                          <a:rPr lang="en-US" altLang="ko-KR" b="1" i="1" smtClean="0">
+                            <a:latin typeface="Cambria Math" panose="02040503050406030204" pitchFamily="18" charset="0"/>
+                          </a:rPr>
+                        </m:ctrlPr>
+                      </m:sSubPr>
+                      <m:e>
+                        <m:r>
+                          <a:rPr lang="en-US" altLang="ko-KR" b="1" i="1" smtClean="0">
+                            <a:latin typeface="Cambria Math" panose="02040503050406030204" pitchFamily="18" charset="0"/>
+                          </a:rPr>
+                          <m:t>𝒘</m:t>
+                        </m:r>
+                      </m:e>
+                      <m:sub>
+                        <m:r>
+                          <a:rPr lang="en-US" altLang="ko-KR" b="1" i="1" smtClean="0">
+                            <a:latin typeface="Cambria Math" panose="02040503050406030204" pitchFamily="18" charset="0"/>
+                          </a:rPr>
+                          <m:t>𝟐</m:t>
+                        </m:r>
+                      </m:sub>
+                    </m:sSub>
+                    <m:r>
+                      <a:rPr lang="en-US" altLang="ko-KR" b="1" i="1" smtClean="0">
+                        <a:latin typeface="Cambria Math" panose="02040503050406030204" pitchFamily="18" charset="0"/>
+                      </a:rPr>
+                      <m:t>, </m:t>
+                    </m:r>
+                    <m:sSub>
+                      <m:sSubPr>
+                        <m:ctrlPr>
+                          <a:rPr lang="en-US" altLang="ko-KR" b="1" i="1" smtClean="0">
+                            <a:latin typeface="Cambria Math" panose="02040503050406030204" pitchFamily="18" charset="0"/>
+                          </a:rPr>
+                        </m:ctrlPr>
+                      </m:sSubPr>
+                      <m:e>
+                        <m:r>
+                          <a:rPr lang="en-US" altLang="ko-KR" b="1" i="1" smtClean="0">
+                            <a:latin typeface="Cambria Math" panose="02040503050406030204" pitchFamily="18" charset="0"/>
+                          </a:rPr>
+                          <m:t>𝒘</m:t>
+                        </m:r>
+                      </m:e>
+                      <m:sub>
+                        <m:r>
+                          <a:rPr lang="en-US" altLang="ko-KR" b="1" i="1" smtClean="0">
+                            <a:latin typeface="Cambria Math" panose="02040503050406030204" pitchFamily="18" charset="0"/>
+                          </a:rPr>
+                          <m:t>𝟑</m:t>
+                        </m:r>
+                      </m:sub>
+                    </m:sSub>
+                    <m:r>
+                      <a:rPr lang="en-US" altLang="ko-KR" b="1" i="1" smtClean="0">
+                        <a:latin typeface="Cambria Math" panose="02040503050406030204" pitchFamily="18" charset="0"/>
+                      </a:rPr>
+                      <m:t>, …, </m:t>
+                    </m:r>
+                    <m:sSub>
+                      <m:sSubPr>
+                        <m:ctrlPr>
+                          <a:rPr lang="en-US" altLang="ko-KR" b="1" i="1" smtClean="0">
+                            <a:latin typeface="Cambria Math" panose="02040503050406030204" pitchFamily="18" charset="0"/>
+                          </a:rPr>
+                        </m:ctrlPr>
+                      </m:sSubPr>
+                      <m:e>
+                        <m:r>
+                          <a:rPr lang="en-US" altLang="ko-KR" b="1" i="1" smtClean="0">
+                            <a:latin typeface="Cambria Math" panose="02040503050406030204" pitchFamily="18" charset="0"/>
+                          </a:rPr>
+                          <m:t>𝒘</m:t>
+                        </m:r>
+                      </m:e>
+                      <m:sub>
+                        <m:r>
+                          <a:rPr lang="en-US" altLang="ko-KR" b="1" i="1" smtClean="0">
+                            <a:latin typeface="Cambria Math" panose="02040503050406030204" pitchFamily="18" charset="0"/>
+                          </a:rPr>
+                          <m:t>𝑻</m:t>
+                        </m:r>
+                      </m:sub>
+                    </m:sSub>
+                  </m:oMath>
+                </a14:m>
+                <a:endParaRPr lang="en-US" altLang="ko-KR" b="1"/>
+              </a:p>
+              <a:p>
+                <a:pPr lvl="1"/>
+                <a:r>
+                  <a:rPr lang="en-US" altLang="ko-KR"/>
+                  <a:t>Size of training context : </a:t>
+                </a:r>
+                <a14:m>
+                  <m:oMath xmlns:m="http://schemas.openxmlformats.org/officeDocument/2006/math">
+                    <m:r>
+                      <a:rPr lang="en-US" altLang="ko-KR" b="1" i="1" smtClean="0">
+                        <a:latin typeface="Cambria Math" panose="02040503050406030204" pitchFamily="18" charset="0"/>
+                      </a:rPr>
+                      <m:t>𝒄</m:t>
+                    </m:r>
+                  </m:oMath>
+                </a14:m>
+                <a:r>
+                  <a:rPr lang="en-US" altLang="ko-KR" b="1"/>
+                  <a:t> (</a:t>
+                </a:r>
+                <a:r>
+                  <a:rPr lang="en-US" altLang="ko-KR" b="1">
+                    <a:solidFill>
+                      <a:schemeClr val="tx1"/>
+                    </a:solidFill>
+                  </a:rPr>
+                  <a:t>Large c -&gt; high accuracy, many training time</a:t>
+                </a:r>
+                <a:r>
+                  <a:rPr lang="en-US" altLang="ko-KR" b="1"/>
+                  <a:t>)</a:t>
+                </a:r>
+              </a:p>
+              <a:p>
+                <a:pPr lvl="1"/>
+                <a:r>
+                  <a:rPr lang="en-US" altLang="ko-KR" b="0"/>
+                  <a:t>"input" and "output" vector representations of </a:t>
+                </a:r>
+                <a14:m>
+                  <m:oMath xmlns:m="http://schemas.openxmlformats.org/officeDocument/2006/math">
+                    <m:r>
+                      <a:rPr lang="en-US" altLang="ko-KR" b="0" i="1" smtClean="0">
+                        <a:latin typeface="Cambria Math" panose="02040503050406030204" pitchFamily="18" charset="0"/>
+                      </a:rPr>
+                      <m:t>𝑤</m:t>
+                    </m:r>
+                  </m:oMath>
+                </a14:m>
+                <a:r>
+                  <a:rPr lang="en-US" altLang="ko-KR" b="0"/>
+                  <a:t> : </a:t>
+                </a:r>
+                <a14:m>
+                  <m:oMath xmlns:m="http://schemas.openxmlformats.org/officeDocument/2006/math">
+                    <m:sSub>
+                      <m:sSubPr>
+                        <m:ctrlPr>
+                          <a:rPr lang="en-US" altLang="ko-KR" b="1" i="1" smtClean="0">
+                            <a:latin typeface="Cambria Math" panose="02040503050406030204" pitchFamily="18" charset="0"/>
+                          </a:rPr>
+                        </m:ctrlPr>
+                      </m:sSubPr>
+                      <m:e>
+                        <m:r>
+                          <a:rPr lang="en-US" altLang="ko-KR" b="1" i="1" smtClean="0">
+                            <a:latin typeface="Cambria Math" panose="02040503050406030204" pitchFamily="18" charset="0"/>
+                          </a:rPr>
+                          <m:t>𝒗</m:t>
+                        </m:r>
+                      </m:e>
+                      <m:sub>
+                        <m:r>
+                          <a:rPr lang="en-US" altLang="ko-KR" b="1" i="1" smtClean="0">
+                            <a:latin typeface="Cambria Math" panose="02040503050406030204" pitchFamily="18" charset="0"/>
+                          </a:rPr>
+                          <m:t>𝒘</m:t>
+                        </m:r>
+                      </m:sub>
+                    </m:sSub>
+                    <m:r>
+                      <a:rPr lang="en-US" altLang="ko-KR" b="1" i="1" smtClean="0">
+                        <a:latin typeface="Cambria Math" panose="02040503050406030204" pitchFamily="18" charset="0"/>
+                      </a:rPr>
+                      <m:t> , </m:t>
+                    </m:r>
+                    <m:sSubSup>
+                      <m:sSubSupPr>
+                        <m:ctrlPr>
+                          <a:rPr lang="en-US" altLang="ko-KR" b="1" i="1" smtClean="0">
+                            <a:latin typeface="Cambria Math" panose="02040503050406030204" pitchFamily="18" charset="0"/>
+                          </a:rPr>
+                        </m:ctrlPr>
+                      </m:sSubSupPr>
+                      <m:e>
+                        <m:r>
+                          <a:rPr lang="en-US" altLang="ko-KR" b="1" i="1" smtClean="0">
+                            <a:latin typeface="Cambria Math" panose="02040503050406030204" pitchFamily="18" charset="0"/>
+                          </a:rPr>
+                          <m:t>𝒗</m:t>
+                        </m:r>
+                      </m:e>
+                      <m:sub>
+                        <m:r>
+                          <a:rPr lang="en-US" altLang="ko-KR" b="1" i="1" smtClean="0">
+                            <a:latin typeface="Cambria Math" panose="02040503050406030204" pitchFamily="18" charset="0"/>
+                          </a:rPr>
+                          <m:t>𝒘</m:t>
+                        </m:r>
+                      </m:sub>
+                      <m:sup>
+                        <m:r>
+                          <a:rPr lang="en-US" altLang="ko-KR" b="1" i="1" smtClean="0">
+                            <a:latin typeface="Cambria Math" panose="02040503050406030204" pitchFamily="18" charset="0"/>
+                          </a:rPr>
+                          <m:t>′</m:t>
+                        </m:r>
+                      </m:sup>
+                    </m:sSubSup>
+                  </m:oMath>
+                </a14:m>
+                <a:endParaRPr lang="en-US" altLang="ko-KR" b="1"/>
+              </a:p>
+              <a:p>
+                <a:pPr lvl="1"/>
+                <a:r>
+                  <a:rPr lang="en-US" altLang="ko-KR"/>
+                  <a:t>The number of words in the vocabulary : </a:t>
+                </a:r>
+                <a14:m>
+                  <m:oMath xmlns:m="http://schemas.openxmlformats.org/officeDocument/2006/math">
+                    <m:r>
+                      <a:rPr lang="en-US" altLang="ko-KR" b="1" i="1" smtClean="0">
+                        <a:latin typeface="Cambria Math" panose="02040503050406030204" pitchFamily="18" charset="0"/>
+                      </a:rPr>
+                      <m:t>𝑾</m:t>
+                    </m:r>
+                  </m:oMath>
+                </a14:m>
+                <a:endParaRPr lang="en-US" altLang="ko-KR" b="1"/>
+              </a:p>
+              <a:p>
+                <a:pPr marL="0" indent="0">
+                  <a:buNone/>
+                </a:pPr>
+                <a:endParaRPr lang="en-US" altLang="ko-KR"/>
+              </a:p>
+              <a:p>
+                <a:pPr marL="0" indent="0">
+                  <a:buNone/>
+                </a:pPr>
+                <a:endParaRPr lang="en-US" altLang="ko-KR"/>
+              </a:p>
+              <a:p>
+                <a:pPr marL="0" indent="0">
+                  <a:buNone/>
+                </a:pPr>
+                <a:endParaRPr lang="en-US" altLang="ko-KR"/>
+              </a:p>
+              <a:p>
+                <a:pPr marL="0" indent="0">
+                  <a:buNone/>
+                </a:pPr>
+                <a:endParaRPr lang="en-US" altLang="ko-KR"/>
+              </a:p>
+              <a:p>
+                <a:pPr marL="0" indent="0">
+                  <a:buNone/>
+                </a:pPr>
+                <a:endParaRPr lang="en-US" altLang="ko-KR"/>
+              </a:p>
+              <a:p>
+                <a:pPr marL="0" indent="0">
+                  <a:buNone/>
+                </a:pPr>
+                <a:r>
+                  <a:rPr lang="en-US" altLang="ko-KR"/>
+                  <a:t>the objective of the Skip-gram model is to </a:t>
+                </a:r>
+                <a:r>
+                  <a:rPr lang="en-US" altLang="ko-KR">
+                    <a:solidFill>
+                      <a:srgbClr val="C00000"/>
+                    </a:solidFill>
+                  </a:rPr>
+                  <a:t>maximize the average log probability</a:t>
+                </a:r>
+              </a:p>
+              <a:p>
+                <a:pPr marL="0" indent="0">
+                  <a:buNone/>
+                </a:pPr>
+                <a:endParaRPr lang="en-US" altLang="ko-KR">
+                  <a:solidFill>
+                    <a:schemeClr val="tx1"/>
+                  </a:solidFill>
+                </a:endParaRPr>
+              </a:p>
+              <a:p>
+                <a:pPr marL="0" indent="0">
+                  <a:buNone/>
+                </a:pPr>
+                <a:r>
+                  <a:rPr lang="en-US" altLang="ko-KR"/>
+                  <a:t>This formulation is impractical because the </a:t>
+                </a:r>
+                <a:r>
+                  <a:rPr lang="en-US" altLang="ko-KR">
+                    <a:solidFill>
+                      <a:srgbClr val="C00000"/>
+                    </a:solidFill>
+                  </a:rPr>
+                  <a:t>cost of computing </a:t>
+                </a:r>
+                <a14:m>
+                  <m:oMath xmlns:m="http://schemas.openxmlformats.org/officeDocument/2006/math">
+                    <m:r>
+                      <m:rPr>
+                        <m:sty m:val="p"/>
+                      </m:rPr>
+                      <a:rPr lang="en-US" altLang="ko-KR" i="1" smtClean="0">
+                        <a:solidFill>
+                          <a:srgbClr val="C00000"/>
+                        </a:solidFill>
+                        <a:latin typeface="Cambria Math" panose="02040503050406030204" pitchFamily="18" charset="0"/>
+                        <a:ea typeface="Cambria Math" panose="02040503050406030204" pitchFamily="18" charset="0"/>
+                      </a:rPr>
+                      <m:t>∇</m:t>
+                    </m:r>
+                    <m:func>
+                      <m:funcPr>
+                        <m:ctrlPr>
+                          <a:rPr lang="en-US" altLang="ko-KR" b="0" i="1" smtClean="0">
+                            <a:solidFill>
+                              <a:srgbClr val="C00000"/>
+                            </a:solidFill>
+                            <a:latin typeface="Cambria Math" panose="02040503050406030204" pitchFamily="18" charset="0"/>
+                            <a:ea typeface="Cambria Math" panose="02040503050406030204" pitchFamily="18" charset="0"/>
+                          </a:rPr>
+                        </m:ctrlPr>
+                      </m:funcPr>
+                      <m:fName>
+                        <m:r>
+                          <m:rPr>
+                            <m:sty m:val="p"/>
+                          </m:rPr>
+                          <a:rPr lang="en-US" altLang="ko-KR" b="0" i="0" smtClean="0">
+                            <a:solidFill>
+                              <a:srgbClr val="C00000"/>
+                            </a:solidFill>
+                            <a:latin typeface="Cambria Math" panose="02040503050406030204" pitchFamily="18" charset="0"/>
+                            <a:ea typeface="Cambria Math" panose="02040503050406030204" pitchFamily="18" charset="0"/>
+                          </a:rPr>
+                          <m:t>log</m:t>
+                        </m:r>
+                      </m:fName>
+                      <m:e>
+                        <m:r>
+                          <a:rPr lang="en-US" altLang="ko-KR" b="0" i="1" smtClean="0">
+                            <a:solidFill>
+                              <a:srgbClr val="C00000"/>
+                            </a:solidFill>
+                            <a:latin typeface="Cambria Math" panose="02040503050406030204" pitchFamily="18" charset="0"/>
+                            <a:ea typeface="Cambria Math" panose="02040503050406030204" pitchFamily="18" charset="0"/>
+                          </a:rPr>
+                          <m:t>𝑝</m:t>
+                        </m:r>
+                        <m:r>
+                          <a:rPr lang="en-US" altLang="ko-KR" b="0" i="1" smtClean="0">
+                            <a:solidFill>
+                              <a:srgbClr val="C00000"/>
+                            </a:solidFill>
+                            <a:latin typeface="Cambria Math" panose="02040503050406030204" pitchFamily="18" charset="0"/>
+                            <a:ea typeface="Cambria Math" panose="02040503050406030204" pitchFamily="18" charset="0"/>
+                          </a:rPr>
+                          <m:t>(</m:t>
+                        </m:r>
+                        <m:sSub>
+                          <m:sSubPr>
+                            <m:ctrlPr>
+                              <a:rPr lang="en-US" altLang="ko-KR" b="0" i="1" smtClean="0">
+                                <a:solidFill>
+                                  <a:srgbClr val="C00000"/>
+                                </a:solidFill>
+                                <a:latin typeface="Cambria Math" panose="02040503050406030204" pitchFamily="18" charset="0"/>
+                                <a:ea typeface="Cambria Math" panose="02040503050406030204" pitchFamily="18" charset="0"/>
+                              </a:rPr>
+                            </m:ctrlPr>
+                          </m:sSubPr>
+                          <m:e>
+                            <m:r>
+                              <a:rPr lang="en-US" altLang="ko-KR" b="0" i="1" smtClean="0">
+                                <a:solidFill>
+                                  <a:srgbClr val="C00000"/>
+                                </a:solidFill>
+                                <a:latin typeface="Cambria Math" panose="02040503050406030204" pitchFamily="18" charset="0"/>
+                                <a:ea typeface="Cambria Math" panose="02040503050406030204" pitchFamily="18" charset="0"/>
+                              </a:rPr>
+                              <m:t>𝑤</m:t>
+                            </m:r>
+                          </m:e>
+                          <m:sub>
+                            <m:r>
+                              <a:rPr lang="en-US" altLang="ko-KR" b="0" i="1" smtClean="0">
+                                <a:solidFill>
+                                  <a:srgbClr val="C00000"/>
+                                </a:solidFill>
+                                <a:latin typeface="Cambria Math" panose="02040503050406030204" pitchFamily="18" charset="0"/>
+                                <a:ea typeface="Cambria Math" panose="02040503050406030204" pitchFamily="18" charset="0"/>
+                              </a:rPr>
+                              <m:t>𝑂</m:t>
+                            </m:r>
+                          </m:sub>
+                        </m:sSub>
+                        <m:r>
+                          <a:rPr lang="en-US" altLang="ko-KR" b="0" i="1" smtClean="0">
+                            <a:solidFill>
+                              <a:srgbClr val="C00000"/>
+                            </a:solidFill>
+                            <a:latin typeface="Cambria Math" panose="02040503050406030204" pitchFamily="18" charset="0"/>
+                            <a:ea typeface="Cambria Math" panose="02040503050406030204" pitchFamily="18" charset="0"/>
+                          </a:rPr>
+                          <m:t>|</m:t>
+                        </m:r>
+                        <m:sSub>
+                          <m:sSubPr>
+                            <m:ctrlPr>
+                              <a:rPr lang="en-US" altLang="ko-KR" b="0" i="1" smtClean="0">
+                                <a:solidFill>
+                                  <a:srgbClr val="C00000"/>
+                                </a:solidFill>
+                                <a:latin typeface="Cambria Math" panose="02040503050406030204" pitchFamily="18" charset="0"/>
+                                <a:ea typeface="Cambria Math" panose="02040503050406030204" pitchFamily="18" charset="0"/>
+                              </a:rPr>
+                            </m:ctrlPr>
+                          </m:sSubPr>
+                          <m:e>
+                            <m:r>
+                              <a:rPr lang="en-US" altLang="ko-KR" b="0" i="1" smtClean="0">
+                                <a:solidFill>
+                                  <a:srgbClr val="C00000"/>
+                                </a:solidFill>
+                                <a:latin typeface="Cambria Math" panose="02040503050406030204" pitchFamily="18" charset="0"/>
+                                <a:ea typeface="Cambria Math" panose="02040503050406030204" pitchFamily="18" charset="0"/>
+                              </a:rPr>
+                              <m:t>𝑤</m:t>
+                            </m:r>
+                          </m:e>
+                          <m:sub>
+                            <m:r>
+                              <a:rPr lang="en-US" altLang="ko-KR" b="0" i="1" smtClean="0">
+                                <a:solidFill>
+                                  <a:srgbClr val="C00000"/>
+                                </a:solidFill>
+                                <a:latin typeface="Cambria Math" panose="02040503050406030204" pitchFamily="18" charset="0"/>
+                                <a:ea typeface="Cambria Math" panose="02040503050406030204" pitchFamily="18" charset="0"/>
+                              </a:rPr>
+                              <m:t>𝐼</m:t>
+                            </m:r>
+                          </m:sub>
+                        </m:sSub>
+                        <m:r>
+                          <a:rPr lang="en-US" altLang="ko-KR" b="0" i="1" smtClean="0">
+                            <a:solidFill>
+                              <a:srgbClr val="C00000"/>
+                            </a:solidFill>
+                            <a:latin typeface="Cambria Math" panose="02040503050406030204" pitchFamily="18" charset="0"/>
+                            <a:ea typeface="Cambria Math" panose="02040503050406030204" pitchFamily="18" charset="0"/>
+                          </a:rPr>
+                          <m:t>)</m:t>
+                        </m:r>
+                      </m:e>
+                    </m:func>
+                  </m:oMath>
+                </a14:m>
+                <a:r>
+                  <a:rPr lang="en-US" altLang="ko-KR">
+                    <a:solidFill>
+                      <a:srgbClr val="C00000"/>
+                    </a:solidFill>
+                  </a:rPr>
+                  <a:t> is proportional to </a:t>
+                </a:r>
+                <a14:m>
+                  <m:oMath xmlns:m="http://schemas.openxmlformats.org/officeDocument/2006/math">
+                    <m:r>
+                      <a:rPr lang="en-US" altLang="ko-KR" i="1" smtClean="0">
+                        <a:solidFill>
+                          <a:srgbClr val="C00000"/>
+                        </a:solidFill>
+                        <a:latin typeface="Cambria Math" panose="02040503050406030204" pitchFamily="18" charset="0"/>
+                      </a:rPr>
+                      <m:t>𝑊</m:t>
+                    </m:r>
+                  </m:oMath>
+                </a14:m>
+                <a:r>
+                  <a:rPr lang="en-US" altLang="ko-KR"/>
+                  <a:t>, which is often large (</a:t>
+                </a:r>
+                <a14:m>
+                  <m:oMath xmlns:m="http://schemas.openxmlformats.org/officeDocument/2006/math">
+                    <m:sSup>
+                      <m:sSupPr>
+                        <m:ctrlPr>
+                          <a:rPr lang="en-US" altLang="ko-KR" b="0" i="1" smtClean="0">
+                            <a:latin typeface="Cambria Math" panose="02040503050406030204" pitchFamily="18" charset="0"/>
+                          </a:rPr>
+                        </m:ctrlPr>
+                      </m:sSupPr>
+                      <m:e>
+                        <m:r>
+                          <a:rPr lang="en-US" altLang="ko-KR" i="1" smtClean="0">
+                            <a:latin typeface="Cambria Math" panose="02040503050406030204" pitchFamily="18" charset="0"/>
+                          </a:rPr>
+                          <m:t>10</m:t>
+                        </m:r>
+                      </m:e>
+                      <m:sup>
+                        <m:r>
+                          <a:rPr lang="en-US" altLang="ko-KR" b="0" i="1" smtClean="0">
+                            <a:latin typeface="Cambria Math" panose="02040503050406030204" pitchFamily="18" charset="0"/>
+                          </a:rPr>
+                          <m:t>5</m:t>
+                        </m:r>
+                      </m:sup>
+                    </m:sSup>
+                    <m:r>
+                      <a:rPr lang="en-US" altLang="ko-KR" i="1" smtClean="0">
+                        <a:latin typeface="Cambria Math" panose="02040503050406030204" pitchFamily="18" charset="0"/>
+                      </a:rPr>
+                      <m:t>–</m:t>
+                    </m:r>
+                    <m:sSup>
+                      <m:sSupPr>
+                        <m:ctrlPr>
+                          <a:rPr lang="en-US" altLang="ko-KR" b="0" i="1" smtClean="0">
+                            <a:latin typeface="Cambria Math" panose="02040503050406030204" pitchFamily="18" charset="0"/>
+                          </a:rPr>
+                        </m:ctrlPr>
+                      </m:sSupPr>
+                      <m:e>
+                        <m:r>
+                          <a:rPr lang="en-US" altLang="ko-KR" i="1" smtClean="0">
+                            <a:latin typeface="Cambria Math" panose="02040503050406030204" pitchFamily="18" charset="0"/>
+                          </a:rPr>
+                          <m:t>10</m:t>
+                        </m:r>
+                      </m:e>
+                      <m:sup>
+                        <m:r>
+                          <a:rPr lang="en-US" altLang="ko-KR" b="0" i="1" smtClean="0">
+                            <a:latin typeface="Cambria Math" panose="02040503050406030204" pitchFamily="18" charset="0"/>
+                          </a:rPr>
+                          <m:t>7</m:t>
+                        </m:r>
+                      </m:sup>
+                    </m:sSup>
+                  </m:oMath>
+                </a14:m>
+                <a:r>
+                  <a:rPr lang="en-US" altLang="ko-KR"/>
+                  <a:t> terms).</a:t>
+                </a:r>
+                <a:endParaRPr lang="en-US" altLang="ko-KR">
+                  <a:solidFill>
+                    <a:schemeClr val="tx1"/>
+                  </a:solidFill>
+                </a:endParaRPr>
+              </a:p>
+              <a:p>
+                <a:pPr marL="0" indent="0">
+                  <a:buNone/>
+                </a:pPr>
+                <a:endParaRPr lang="en-US" altLang="ko-KR">
+                  <a:solidFill>
+                    <a:schemeClr val="tx1"/>
+                  </a:solidFill>
+                </a:endParaRPr>
+              </a:p>
+            </p:txBody>
+          </p:sp>
+        </mc:Choice>
+        <mc:Fallback xmlns="">
+          <p:sp>
+            <p:nvSpPr>
+              <p:cNvPr id="5" name="내용 개체 틀 4">
+                <a:extLst>
+                  <a:ext uri="{FF2B5EF4-FFF2-40B4-BE49-F238E27FC236}">
+                    <a16:creationId xmlns:a16="http://schemas.microsoft.com/office/drawing/2014/main" id="{7ABF33DB-1F52-45DE-AFF0-920404DFA63B}"/>
+                  </a:ext>
+                </a:extLst>
+              </p:cNvPr>
+              <p:cNvSpPr>
+                <a:spLocks noGrp="1" noRot="1" noChangeAspect="1" noMove="1" noResize="1" noEditPoints="1" noAdjustHandles="1" noChangeArrowheads="1" noChangeShapeType="1" noTextEdit="1"/>
+              </p:cNvSpPr>
+              <p:nvPr>
+                <p:ph sz="quarter" idx="13"/>
+              </p:nvPr>
+            </p:nvSpPr>
+            <p:spPr>
+              <a:xfrm>
+                <a:off x="622300" y="890588"/>
+                <a:ext cx="11569700" cy="5602284"/>
+              </a:xfrm>
+              <a:blipFill>
+                <a:blip r:embed="rId5"/>
+                <a:stretch>
+                  <a:fillRect l="-527" t="-1088" b="-762"/>
+                </a:stretch>
+              </a:blipFill>
+            </p:spPr>
+            <p:txBody>
+              <a:bodyPr/>
+              <a:lstStyle/>
+              <a:p>
+                <a:r>
+                  <a:rPr lang="ko-KR" altLang="en-US">
+                    <a:noFill/>
+                  </a:rPr>
+                  <a:t> </a:t>
+                </a:r>
+              </a:p>
+            </p:txBody>
+          </p:sp>
+        </mc:Fallback>
+      </mc:AlternateContent>
       <p:sp>
         <p:nvSpPr>
           <p:cNvPr id="6" name="제목 5">
@@ -13214,7 +13636,7 @@
           <p:nvPr/>
         </p:nvPicPr>
         <p:blipFill>
-          <a:blip r:embed="rId2"/>
+          <a:blip r:embed="rId6"/>
           <a:stretch>
             <a:fillRect/>
           </a:stretch>
@@ -13258,7 +13680,7 @@
           <p:nvPr/>
         </p:nvPicPr>
         <p:blipFill>
-          <a:blip r:embed="rId3"/>
+          <a:blip r:embed="rId7"/>
           <a:stretch>
             <a:fillRect/>
           </a:stretch>
@@ -13287,8 +13709,8 @@
           </a:effectLst>
         </p:spPr>
       </p:pic>
-      <mc:AlternateContent xmlns:mc="http://schemas.openxmlformats.org/markup-compatibility/2006">
-        <mc:Choice xmlns:a14="http://schemas.microsoft.com/office/drawing/2010/main" Requires="a14">
+      <mc:AlternateContent xmlns:mc="http://schemas.openxmlformats.org/markup-compatibility/2006" xmlns:a14="http://schemas.microsoft.com/office/drawing/2010/main">
+        <mc:Choice Requires="a14">
           <p:sp>
             <p:nvSpPr>
               <p:cNvPr id="12" name="TextBox 11">
@@ -13484,7 +13906,7 @@
             </p:txBody>
           </p:sp>
         </mc:Choice>
-        <mc:Fallback>
+        <mc:Fallback xmlns="">
           <p:sp>
             <p:nvSpPr>
               <p:cNvPr id="12" name="TextBox 11">
@@ -13534,729 +13956,6 @@
           </p:sp>
         </mc:Fallback>
       </mc:AlternateContent>
-      <mc:AlternateContent xmlns:mc="http://schemas.openxmlformats.org/markup-compatibility/2006">
-        <mc:Choice xmlns:a14="http://schemas.microsoft.com/office/drawing/2010/main" Requires="a14">
-          <p:sp>
-            <p:nvSpPr>
-              <p:cNvPr id="5" name="내용 개체 틀 4">
-                <a:extLst>
-                  <a:ext uri="{FF2B5EF4-FFF2-40B4-BE49-F238E27FC236}">
-                    <a16:creationId xmlns:a16="http://schemas.microsoft.com/office/drawing/2014/main" id="{7ABF33DB-1F52-45DE-AFF0-920404DFA63B}"/>
-                  </a:ext>
-                </a:extLst>
-              </p:cNvPr>
-              <p:cNvSpPr>
-                <a:spLocks noGrp="1"/>
-              </p:cNvSpPr>
-              <p:nvPr>
-                <p:ph sz="quarter" idx="13"/>
-              </p:nvPr>
-            </p:nvSpPr>
-            <p:spPr>
-              <a:xfrm>
-                <a:off x="622300" y="890588"/>
-                <a:ext cx="11569700" cy="5602284"/>
-              </a:xfrm>
-            </p:spPr>
-            <p:txBody>
-              <a:bodyPr/>
-              <a:lstStyle/>
-              <a:p>
-                <a:pPr marL="0" indent="0">
-                  <a:buNone/>
-                </a:pPr>
-                <a:r>
-                  <a:rPr lang="en-US" altLang="ko-KR"/>
-                  <a:t>The </a:t>
-                </a:r>
-                <a:r>
-                  <a:rPr lang="en-US" altLang="ko-KR">
-                    <a:solidFill>
-                      <a:srgbClr val="C00000"/>
-                    </a:solidFill>
-                  </a:rPr>
-                  <a:t>training objective </a:t>
-                </a:r>
-                <a:r>
-                  <a:rPr lang="en-US" altLang="ko-KR"/>
-                  <a:t>of the Skip-gram model is to </a:t>
-                </a:r>
-                <a:r>
-                  <a:rPr lang="en-US" altLang="ko-KR">
-                    <a:solidFill>
-                      <a:srgbClr val="C00000"/>
-                    </a:solidFill>
-                  </a:rPr>
-                  <a:t>find word representations </a:t>
-                </a:r>
-                <a:r>
-                  <a:rPr lang="en-US" altLang="ko-KR"/>
-                  <a:t>that are useful for predicting the surrounding words in a sentence or a document.</a:t>
-                </a:r>
-              </a:p>
-              <a:p>
-                <a:pPr marL="0" indent="0">
-                  <a:buNone/>
-                </a:pPr>
-                <a:endParaRPr lang="en-US" altLang="ko-KR"/>
-              </a:p>
-              <a:p>
-                <a:pPr lvl="1"/>
-                <a:r>
-                  <a:rPr lang="en-US" altLang="ko-KR"/>
-                  <a:t>Sequence of training words : </a:t>
-                </a:r>
-                <a14:m>
-                  <m:oMath xmlns:m="http://schemas.openxmlformats.org/officeDocument/2006/math">
-                    <m:sSub>
-                      <m:sSubPr>
-                        <m:ctrlPr>
-                          <a:rPr lang="en-US" altLang="ko-KR" b="1" i="1" smtClean="0">
-                            <a:latin typeface="Cambria Math" panose="02040503050406030204" pitchFamily="18" charset="0"/>
-                          </a:rPr>
-                        </m:ctrlPr>
-                      </m:sSubPr>
-                      <m:e>
-                        <m:r>
-                          <a:rPr lang="en-US" altLang="ko-KR" b="1" i="1" smtClean="0">
-                            <a:latin typeface="Cambria Math" panose="02040503050406030204" pitchFamily="18" charset="0"/>
-                          </a:rPr>
-                          <m:t>𝒘</m:t>
-                        </m:r>
-                      </m:e>
-                      <m:sub>
-                        <m:r>
-                          <a:rPr lang="en-US" altLang="ko-KR" b="1" i="1" smtClean="0">
-                            <a:latin typeface="Cambria Math" panose="02040503050406030204" pitchFamily="18" charset="0"/>
-                          </a:rPr>
-                          <m:t>𝟏</m:t>
-                        </m:r>
-                      </m:sub>
-                    </m:sSub>
-                    <m:r>
-                      <a:rPr lang="en-US" altLang="ko-KR" b="1" i="1" smtClean="0">
-                        <a:latin typeface="Cambria Math" panose="02040503050406030204" pitchFamily="18" charset="0"/>
-                      </a:rPr>
-                      <m:t>, </m:t>
-                    </m:r>
-                    <m:sSub>
-                      <m:sSubPr>
-                        <m:ctrlPr>
-                          <a:rPr lang="en-US" altLang="ko-KR" b="1" i="1" smtClean="0">
-                            <a:latin typeface="Cambria Math" panose="02040503050406030204" pitchFamily="18" charset="0"/>
-                          </a:rPr>
-                        </m:ctrlPr>
-                      </m:sSubPr>
-                      <m:e>
-                        <m:r>
-                          <a:rPr lang="en-US" altLang="ko-KR" b="1" i="1" smtClean="0">
-                            <a:latin typeface="Cambria Math" panose="02040503050406030204" pitchFamily="18" charset="0"/>
-                          </a:rPr>
-                          <m:t>𝒘</m:t>
-                        </m:r>
-                      </m:e>
-                      <m:sub>
-                        <m:r>
-                          <a:rPr lang="en-US" altLang="ko-KR" b="1" i="1" smtClean="0">
-                            <a:latin typeface="Cambria Math" panose="02040503050406030204" pitchFamily="18" charset="0"/>
-                          </a:rPr>
-                          <m:t>𝟐</m:t>
-                        </m:r>
-                      </m:sub>
-                    </m:sSub>
-                    <m:r>
-                      <a:rPr lang="en-US" altLang="ko-KR" b="1" i="1" smtClean="0">
-                        <a:latin typeface="Cambria Math" panose="02040503050406030204" pitchFamily="18" charset="0"/>
-                      </a:rPr>
-                      <m:t>, </m:t>
-                    </m:r>
-                    <m:sSub>
-                      <m:sSubPr>
-                        <m:ctrlPr>
-                          <a:rPr lang="en-US" altLang="ko-KR" b="1" i="1" smtClean="0">
-                            <a:latin typeface="Cambria Math" panose="02040503050406030204" pitchFamily="18" charset="0"/>
-                          </a:rPr>
-                        </m:ctrlPr>
-                      </m:sSubPr>
-                      <m:e>
-                        <m:r>
-                          <a:rPr lang="en-US" altLang="ko-KR" b="1" i="1" smtClean="0">
-                            <a:latin typeface="Cambria Math" panose="02040503050406030204" pitchFamily="18" charset="0"/>
-                          </a:rPr>
-                          <m:t>𝒘</m:t>
-                        </m:r>
-                      </m:e>
-                      <m:sub>
-                        <m:r>
-                          <a:rPr lang="en-US" altLang="ko-KR" b="1" i="1" smtClean="0">
-                            <a:latin typeface="Cambria Math" panose="02040503050406030204" pitchFamily="18" charset="0"/>
-                          </a:rPr>
-                          <m:t>𝟑</m:t>
-                        </m:r>
-                      </m:sub>
-                    </m:sSub>
-                    <m:r>
-                      <a:rPr lang="en-US" altLang="ko-KR" b="1" i="1" smtClean="0">
-                        <a:latin typeface="Cambria Math" panose="02040503050406030204" pitchFamily="18" charset="0"/>
-                      </a:rPr>
-                      <m:t>, …, </m:t>
-                    </m:r>
-                    <m:sSub>
-                      <m:sSubPr>
-                        <m:ctrlPr>
-                          <a:rPr lang="en-US" altLang="ko-KR" b="1" i="1" smtClean="0">
-                            <a:latin typeface="Cambria Math" panose="02040503050406030204" pitchFamily="18" charset="0"/>
-                          </a:rPr>
-                        </m:ctrlPr>
-                      </m:sSubPr>
-                      <m:e>
-                        <m:r>
-                          <a:rPr lang="en-US" altLang="ko-KR" b="1" i="1" smtClean="0">
-                            <a:latin typeface="Cambria Math" panose="02040503050406030204" pitchFamily="18" charset="0"/>
-                          </a:rPr>
-                          <m:t>𝒘</m:t>
-                        </m:r>
-                      </m:e>
-                      <m:sub>
-                        <m:r>
-                          <a:rPr lang="en-US" altLang="ko-KR" b="1" i="1" smtClean="0">
-                            <a:latin typeface="Cambria Math" panose="02040503050406030204" pitchFamily="18" charset="0"/>
-                          </a:rPr>
-                          <m:t>𝑻</m:t>
-                        </m:r>
-                      </m:sub>
-                    </m:sSub>
-                  </m:oMath>
-                </a14:m>
-                <a:endParaRPr lang="en-US" altLang="ko-KR" b="1"/>
-              </a:p>
-              <a:p>
-                <a:pPr lvl="1"/>
-                <a:r>
-                  <a:rPr lang="en-US" altLang="ko-KR"/>
-                  <a:t>Size of training context : </a:t>
-                </a:r>
-                <a14:m>
-                  <m:oMath xmlns:m="http://schemas.openxmlformats.org/officeDocument/2006/math">
-                    <m:r>
-                      <a:rPr lang="en-US" altLang="ko-KR" b="1" i="1" smtClean="0">
-                        <a:latin typeface="Cambria Math" panose="02040503050406030204" pitchFamily="18" charset="0"/>
-                      </a:rPr>
-                      <m:t>𝒄</m:t>
-                    </m:r>
-                  </m:oMath>
-                </a14:m>
-                <a:r>
-                  <a:rPr lang="en-US" altLang="ko-KR" b="1"/>
-                  <a:t> (</a:t>
-                </a:r>
-                <a:r>
-                  <a:rPr lang="en-US" altLang="ko-KR" b="1">
-                    <a:solidFill>
-                      <a:schemeClr val="tx1"/>
-                    </a:solidFill>
-                  </a:rPr>
-                  <a:t>Large c -&gt; high accuracy, many training time</a:t>
-                </a:r>
-                <a:r>
-                  <a:rPr lang="en-US" altLang="ko-KR" b="1"/>
-                  <a:t>)</a:t>
-                </a:r>
-              </a:p>
-              <a:p>
-                <a:pPr lvl="1"/>
-                <a:r>
-                  <a:rPr lang="en-US" altLang="ko-KR" b="0"/>
-                  <a:t>"input" and "output" vector representations of </a:t>
-                </a:r>
-                <a14:m>
-                  <m:oMath xmlns:m="http://schemas.openxmlformats.org/officeDocument/2006/math">
-                    <m:r>
-                      <a:rPr lang="en-US" altLang="ko-KR" b="0" i="1" smtClean="0">
-                        <a:latin typeface="Cambria Math" panose="02040503050406030204" pitchFamily="18" charset="0"/>
-                      </a:rPr>
-                      <m:t>𝑤</m:t>
-                    </m:r>
-                  </m:oMath>
-                </a14:m>
-                <a:r>
-                  <a:rPr lang="en-US" altLang="ko-KR" b="0"/>
-                  <a:t> : </a:t>
-                </a:r>
-                <a14:m>
-                  <m:oMath xmlns:m="http://schemas.openxmlformats.org/officeDocument/2006/math">
-                    <m:sSub>
-                      <m:sSubPr>
-                        <m:ctrlPr>
-                          <a:rPr lang="en-US" altLang="ko-KR" b="1" i="1" smtClean="0">
-                            <a:latin typeface="Cambria Math" panose="02040503050406030204" pitchFamily="18" charset="0"/>
-                          </a:rPr>
-                        </m:ctrlPr>
-                      </m:sSubPr>
-                      <m:e>
-                        <m:r>
-                          <a:rPr lang="en-US" altLang="ko-KR" b="1" i="1" smtClean="0">
-                            <a:latin typeface="Cambria Math" panose="02040503050406030204" pitchFamily="18" charset="0"/>
-                          </a:rPr>
-                          <m:t>𝒗</m:t>
-                        </m:r>
-                      </m:e>
-                      <m:sub>
-                        <m:r>
-                          <a:rPr lang="en-US" altLang="ko-KR" b="1" i="1" smtClean="0">
-                            <a:latin typeface="Cambria Math" panose="02040503050406030204" pitchFamily="18" charset="0"/>
-                          </a:rPr>
-                          <m:t>𝒘</m:t>
-                        </m:r>
-                      </m:sub>
-                    </m:sSub>
-                    <m:r>
-                      <a:rPr lang="en-US" altLang="ko-KR" b="1" i="1" smtClean="0">
-                        <a:latin typeface="Cambria Math" panose="02040503050406030204" pitchFamily="18" charset="0"/>
-                      </a:rPr>
-                      <m:t> , </m:t>
-                    </m:r>
-                    <m:sSubSup>
-                      <m:sSubSupPr>
-                        <m:ctrlPr>
-                          <a:rPr lang="en-US" altLang="ko-KR" b="1" i="1" smtClean="0">
-                            <a:latin typeface="Cambria Math" panose="02040503050406030204" pitchFamily="18" charset="0"/>
-                          </a:rPr>
-                        </m:ctrlPr>
-                      </m:sSubSupPr>
-                      <m:e>
-                        <m:r>
-                          <a:rPr lang="en-US" altLang="ko-KR" b="1" i="1" smtClean="0">
-                            <a:latin typeface="Cambria Math" panose="02040503050406030204" pitchFamily="18" charset="0"/>
-                          </a:rPr>
-                          <m:t>𝒗</m:t>
-                        </m:r>
-                      </m:e>
-                      <m:sub>
-                        <m:r>
-                          <a:rPr lang="en-US" altLang="ko-KR" b="1" i="1" smtClean="0">
-                            <a:latin typeface="Cambria Math" panose="02040503050406030204" pitchFamily="18" charset="0"/>
-                          </a:rPr>
-                          <m:t>𝒘</m:t>
-                        </m:r>
-                      </m:sub>
-                      <m:sup>
-                        <m:r>
-                          <a:rPr lang="en-US" altLang="ko-KR" b="1" i="1" smtClean="0">
-                            <a:latin typeface="Cambria Math" panose="02040503050406030204" pitchFamily="18" charset="0"/>
-                          </a:rPr>
-                          <m:t>′</m:t>
-                        </m:r>
-                      </m:sup>
-                    </m:sSubSup>
-                  </m:oMath>
-                </a14:m>
-                <a:endParaRPr lang="en-US" altLang="ko-KR" b="1"/>
-              </a:p>
-              <a:p>
-                <a:pPr lvl="1"/>
-                <a:r>
-                  <a:rPr lang="en-US" altLang="ko-KR"/>
-                  <a:t>The number of words in the vocabulary : </a:t>
-                </a:r>
-                <a14:m>
-                  <m:oMath xmlns:m="http://schemas.openxmlformats.org/officeDocument/2006/math">
-                    <m:r>
-                      <a:rPr lang="en-US" altLang="ko-KR" b="1" i="1" smtClean="0">
-                        <a:latin typeface="Cambria Math" panose="02040503050406030204" pitchFamily="18" charset="0"/>
-                      </a:rPr>
-                      <m:t>𝑾</m:t>
-                    </m:r>
-                  </m:oMath>
-                </a14:m>
-                <a:endParaRPr lang="en-US" altLang="ko-KR" b="1"/>
-              </a:p>
-              <a:p>
-                <a:pPr marL="0" indent="0">
-                  <a:buNone/>
-                </a:pPr>
-                <a:endParaRPr lang="en-US" altLang="ko-KR"/>
-              </a:p>
-              <a:p>
-                <a:pPr marL="0" indent="0">
-                  <a:buNone/>
-                </a:pPr>
-                <a:endParaRPr lang="en-US" altLang="ko-KR"/>
-              </a:p>
-              <a:p>
-                <a:pPr marL="0" indent="0">
-                  <a:buNone/>
-                </a:pPr>
-                <a:endParaRPr lang="en-US" altLang="ko-KR"/>
-              </a:p>
-              <a:p>
-                <a:pPr marL="0" indent="0">
-                  <a:buNone/>
-                </a:pPr>
-                <a:endParaRPr lang="en-US" altLang="ko-KR"/>
-              </a:p>
-              <a:p>
-                <a:pPr marL="0" indent="0">
-                  <a:buNone/>
-                </a:pPr>
-                <a:endParaRPr lang="en-US" altLang="ko-KR"/>
-              </a:p>
-              <a:p>
-                <a:pPr marL="0" indent="0">
-                  <a:buNone/>
-                </a:pPr>
-                <a:r>
-                  <a:rPr lang="en-US" altLang="ko-KR"/>
-                  <a:t>the objective of the Skip-gram model is to </a:t>
-                </a:r>
-                <a:r>
-                  <a:rPr lang="en-US" altLang="ko-KR">
-                    <a:solidFill>
-                      <a:srgbClr val="C00000"/>
-                    </a:solidFill>
-                  </a:rPr>
-                  <a:t>maximize the average log probability</a:t>
-                </a:r>
-              </a:p>
-              <a:p>
-                <a:pPr marL="0" indent="0">
-                  <a:buNone/>
-                </a:pPr>
-                <a:endParaRPr lang="en-US" altLang="ko-KR">
-                  <a:solidFill>
-                    <a:schemeClr val="tx1"/>
-                  </a:solidFill>
-                </a:endParaRPr>
-              </a:p>
-              <a:p>
-                <a:pPr marL="0" indent="0">
-                  <a:buNone/>
-                </a:pPr>
-                <a:r>
-                  <a:rPr lang="en-US" altLang="ko-KR"/>
-                  <a:t>This formulation is impractical because the </a:t>
-                </a:r>
-                <a:r>
-                  <a:rPr lang="en-US" altLang="ko-KR">
-                    <a:solidFill>
-                      <a:srgbClr val="C00000"/>
-                    </a:solidFill>
-                  </a:rPr>
-                  <a:t>cost of computing </a:t>
-                </a:r>
-                <a14:m>
-                  <m:oMath xmlns:m="http://schemas.openxmlformats.org/officeDocument/2006/math">
-                    <m:r>
-                      <m:rPr>
-                        <m:sty m:val="p"/>
-                      </m:rPr>
-                      <a:rPr lang="en-US" altLang="ko-KR" i="1" smtClean="0">
-                        <a:solidFill>
-                          <a:srgbClr val="C00000"/>
-                        </a:solidFill>
-                        <a:latin typeface="Cambria Math" panose="02040503050406030204" pitchFamily="18" charset="0"/>
-                        <a:ea typeface="Cambria Math" panose="02040503050406030204" pitchFamily="18" charset="0"/>
-                      </a:rPr>
-                      <m:t>∇</m:t>
-                    </m:r>
-                    <m:func>
-                      <m:funcPr>
-                        <m:ctrlPr>
-                          <a:rPr lang="en-US" altLang="ko-KR" b="0" i="1" smtClean="0">
-                            <a:solidFill>
-                              <a:srgbClr val="C00000"/>
-                            </a:solidFill>
-                            <a:latin typeface="Cambria Math" panose="02040503050406030204" pitchFamily="18" charset="0"/>
-                            <a:ea typeface="Cambria Math" panose="02040503050406030204" pitchFamily="18" charset="0"/>
-                          </a:rPr>
-                        </m:ctrlPr>
-                      </m:funcPr>
-                      <m:fName>
-                        <m:r>
-                          <m:rPr>
-                            <m:sty m:val="p"/>
-                          </m:rPr>
-                          <a:rPr lang="en-US" altLang="ko-KR" b="0" i="0" smtClean="0">
-                            <a:solidFill>
-                              <a:srgbClr val="C00000"/>
-                            </a:solidFill>
-                            <a:latin typeface="Cambria Math" panose="02040503050406030204" pitchFamily="18" charset="0"/>
-                            <a:ea typeface="Cambria Math" panose="02040503050406030204" pitchFamily="18" charset="0"/>
-                          </a:rPr>
-                          <m:t>log</m:t>
-                        </m:r>
-                      </m:fName>
-                      <m:e>
-                        <m:r>
-                          <a:rPr lang="en-US" altLang="ko-KR" b="0" i="1" smtClean="0">
-                            <a:solidFill>
-                              <a:srgbClr val="C00000"/>
-                            </a:solidFill>
-                            <a:latin typeface="Cambria Math" panose="02040503050406030204" pitchFamily="18" charset="0"/>
-                            <a:ea typeface="Cambria Math" panose="02040503050406030204" pitchFamily="18" charset="0"/>
-                          </a:rPr>
-                          <m:t>𝑝</m:t>
-                        </m:r>
-                        <m:r>
-                          <a:rPr lang="en-US" altLang="ko-KR" b="0" i="1" smtClean="0">
-                            <a:solidFill>
-                              <a:srgbClr val="C00000"/>
-                            </a:solidFill>
-                            <a:latin typeface="Cambria Math" panose="02040503050406030204" pitchFamily="18" charset="0"/>
-                            <a:ea typeface="Cambria Math" panose="02040503050406030204" pitchFamily="18" charset="0"/>
-                          </a:rPr>
-                          <m:t>(</m:t>
-                        </m:r>
-                        <m:sSub>
-                          <m:sSubPr>
-                            <m:ctrlPr>
-                              <a:rPr lang="en-US" altLang="ko-KR" b="0" i="1" smtClean="0">
-                                <a:solidFill>
-                                  <a:srgbClr val="C00000"/>
-                                </a:solidFill>
-                                <a:latin typeface="Cambria Math" panose="02040503050406030204" pitchFamily="18" charset="0"/>
-                                <a:ea typeface="Cambria Math" panose="02040503050406030204" pitchFamily="18" charset="0"/>
-                              </a:rPr>
-                            </m:ctrlPr>
-                          </m:sSubPr>
-                          <m:e>
-                            <m:r>
-                              <a:rPr lang="en-US" altLang="ko-KR" b="0" i="1" smtClean="0">
-                                <a:solidFill>
-                                  <a:srgbClr val="C00000"/>
-                                </a:solidFill>
-                                <a:latin typeface="Cambria Math" panose="02040503050406030204" pitchFamily="18" charset="0"/>
-                                <a:ea typeface="Cambria Math" panose="02040503050406030204" pitchFamily="18" charset="0"/>
-                              </a:rPr>
-                              <m:t>𝑤</m:t>
-                            </m:r>
-                          </m:e>
-                          <m:sub>
-                            <m:r>
-                              <a:rPr lang="en-US" altLang="ko-KR" b="0" i="1" smtClean="0">
-                                <a:solidFill>
-                                  <a:srgbClr val="C00000"/>
-                                </a:solidFill>
-                                <a:latin typeface="Cambria Math" panose="02040503050406030204" pitchFamily="18" charset="0"/>
-                                <a:ea typeface="Cambria Math" panose="02040503050406030204" pitchFamily="18" charset="0"/>
-                              </a:rPr>
-                              <m:t>𝑂</m:t>
-                            </m:r>
-                          </m:sub>
-                        </m:sSub>
-                        <m:r>
-                          <a:rPr lang="en-US" altLang="ko-KR" b="0" i="1" smtClean="0">
-                            <a:solidFill>
-                              <a:srgbClr val="C00000"/>
-                            </a:solidFill>
-                            <a:latin typeface="Cambria Math" panose="02040503050406030204" pitchFamily="18" charset="0"/>
-                            <a:ea typeface="Cambria Math" panose="02040503050406030204" pitchFamily="18" charset="0"/>
-                          </a:rPr>
-                          <m:t>|</m:t>
-                        </m:r>
-                        <m:sSub>
-                          <m:sSubPr>
-                            <m:ctrlPr>
-                              <a:rPr lang="en-US" altLang="ko-KR" b="0" i="1" smtClean="0">
-                                <a:solidFill>
-                                  <a:srgbClr val="C00000"/>
-                                </a:solidFill>
-                                <a:latin typeface="Cambria Math" panose="02040503050406030204" pitchFamily="18" charset="0"/>
-                                <a:ea typeface="Cambria Math" panose="02040503050406030204" pitchFamily="18" charset="0"/>
-                              </a:rPr>
-                            </m:ctrlPr>
-                          </m:sSubPr>
-                          <m:e>
-                            <m:r>
-                              <a:rPr lang="en-US" altLang="ko-KR" b="0" i="1" smtClean="0">
-                                <a:solidFill>
-                                  <a:srgbClr val="C00000"/>
-                                </a:solidFill>
-                                <a:latin typeface="Cambria Math" panose="02040503050406030204" pitchFamily="18" charset="0"/>
-                                <a:ea typeface="Cambria Math" panose="02040503050406030204" pitchFamily="18" charset="0"/>
-                              </a:rPr>
-                              <m:t>𝑤</m:t>
-                            </m:r>
-                          </m:e>
-                          <m:sub>
-                            <m:r>
-                              <a:rPr lang="en-US" altLang="ko-KR" b="0" i="1" smtClean="0">
-                                <a:solidFill>
-                                  <a:srgbClr val="C00000"/>
-                                </a:solidFill>
-                                <a:latin typeface="Cambria Math" panose="02040503050406030204" pitchFamily="18" charset="0"/>
-                                <a:ea typeface="Cambria Math" panose="02040503050406030204" pitchFamily="18" charset="0"/>
-                              </a:rPr>
-                              <m:t>𝐼</m:t>
-                            </m:r>
-                          </m:sub>
-                        </m:sSub>
-                        <m:r>
-                          <a:rPr lang="en-US" altLang="ko-KR" b="0" i="1" smtClean="0">
-                            <a:solidFill>
-                              <a:srgbClr val="C00000"/>
-                            </a:solidFill>
-                            <a:latin typeface="Cambria Math" panose="02040503050406030204" pitchFamily="18" charset="0"/>
-                            <a:ea typeface="Cambria Math" panose="02040503050406030204" pitchFamily="18" charset="0"/>
-                          </a:rPr>
-                          <m:t>)</m:t>
-                        </m:r>
-                      </m:e>
-                    </m:func>
-                  </m:oMath>
-                </a14:m>
-                <a:r>
-                  <a:rPr lang="en-US" altLang="ko-KR">
-                    <a:solidFill>
-                      <a:srgbClr val="C00000"/>
-                    </a:solidFill>
-                  </a:rPr>
-                  <a:t> is proportional to </a:t>
-                </a:r>
-                <a14:m>
-                  <m:oMath xmlns:m="http://schemas.openxmlformats.org/officeDocument/2006/math">
-                    <m:r>
-                      <a:rPr lang="en-US" altLang="ko-KR" i="1" smtClean="0">
-                        <a:solidFill>
-                          <a:srgbClr val="C00000"/>
-                        </a:solidFill>
-                        <a:latin typeface="Cambria Math" panose="02040503050406030204" pitchFamily="18" charset="0"/>
-                      </a:rPr>
-                      <m:t>𝑊</m:t>
-                    </m:r>
-                  </m:oMath>
-                </a14:m>
-                <a:r>
-                  <a:rPr lang="en-US" altLang="ko-KR"/>
-                  <a:t>, which is often large (</a:t>
-                </a:r>
-                <a14:m>
-                  <m:oMath xmlns:m="http://schemas.openxmlformats.org/officeDocument/2006/math">
-                    <m:sSup>
-                      <m:sSupPr>
-                        <m:ctrlPr>
-                          <a:rPr lang="en-US" altLang="ko-KR" b="0" i="1" smtClean="0">
-                            <a:latin typeface="Cambria Math" panose="02040503050406030204" pitchFamily="18" charset="0"/>
-                          </a:rPr>
-                        </m:ctrlPr>
-                      </m:sSupPr>
-                      <m:e>
-                        <m:r>
-                          <a:rPr lang="en-US" altLang="ko-KR" i="1" smtClean="0">
-                            <a:latin typeface="Cambria Math" panose="02040503050406030204" pitchFamily="18" charset="0"/>
-                          </a:rPr>
-                          <m:t>10</m:t>
-                        </m:r>
-                      </m:e>
-                      <m:sup>
-                        <m:r>
-                          <a:rPr lang="en-US" altLang="ko-KR" b="0" i="1" smtClean="0">
-                            <a:latin typeface="Cambria Math" panose="02040503050406030204" pitchFamily="18" charset="0"/>
-                          </a:rPr>
-                          <m:t>5</m:t>
-                        </m:r>
-                      </m:sup>
-                    </m:sSup>
-                    <m:r>
-                      <a:rPr lang="en-US" altLang="ko-KR" i="1" smtClean="0">
-                        <a:latin typeface="Cambria Math" panose="02040503050406030204" pitchFamily="18" charset="0"/>
-                      </a:rPr>
-                      <m:t>–</m:t>
-                    </m:r>
-                    <m:sSup>
-                      <m:sSupPr>
-                        <m:ctrlPr>
-                          <a:rPr lang="en-US" altLang="ko-KR" b="0" i="1" smtClean="0">
-                            <a:latin typeface="Cambria Math" panose="02040503050406030204" pitchFamily="18" charset="0"/>
-                          </a:rPr>
-                        </m:ctrlPr>
-                      </m:sSupPr>
-                      <m:e>
-                        <m:r>
-                          <a:rPr lang="en-US" altLang="ko-KR" i="1" smtClean="0">
-                            <a:latin typeface="Cambria Math" panose="02040503050406030204" pitchFamily="18" charset="0"/>
-                          </a:rPr>
-                          <m:t>10</m:t>
-                        </m:r>
-                      </m:e>
-                      <m:sup>
-                        <m:r>
-                          <a:rPr lang="en-US" altLang="ko-KR" b="0" i="1" smtClean="0">
-                            <a:latin typeface="Cambria Math" panose="02040503050406030204" pitchFamily="18" charset="0"/>
-                          </a:rPr>
-                          <m:t>7</m:t>
-                        </m:r>
-                      </m:sup>
-                    </m:sSup>
-                  </m:oMath>
-                </a14:m>
-                <a:r>
-                  <a:rPr lang="en-US" altLang="ko-KR"/>
-                  <a:t> terms).</a:t>
-                </a:r>
-                <a:endParaRPr lang="en-US" altLang="ko-KR">
-                  <a:solidFill>
-                    <a:schemeClr val="tx1"/>
-                  </a:solidFill>
-                </a:endParaRPr>
-              </a:p>
-              <a:p>
-                <a:pPr marL="0" indent="0">
-                  <a:buNone/>
-                </a:pPr>
-                <a:endParaRPr lang="en-US" altLang="ko-KR">
-                  <a:solidFill>
-                    <a:schemeClr val="tx1"/>
-                  </a:solidFill>
-                </a:endParaRPr>
-              </a:p>
-            </p:txBody>
-          </p:sp>
-        </mc:Choice>
-        <mc:Fallback>
-          <p:sp>
-            <p:nvSpPr>
-              <p:cNvPr id="5" name="내용 개체 틀 4">
-                <a:extLst>
-                  <a:ext uri="{FF2B5EF4-FFF2-40B4-BE49-F238E27FC236}">
-                    <a16:creationId xmlns:a16="http://schemas.microsoft.com/office/drawing/2014/main" id="{7ABF33DB-1F52-45DE-AFF0-920404DFA63B}"/>
-                  </a:ext>
-                </a:extLst>
-              </p:cNvPr>
-              <p:cNvSpPr>
-                <a:spLocks noGrp="1" noRot="1" noChangeAspect="1" noMove="1" noResize="1" noEditPoints="1" noAdjustHandles="1" noChangeArrowheads="1" noChangeShapeType="1" noTextEdit="1"/>
-              </p:cNvSpPr>
-              <p:nvPr>
-                <p:ph sz="quarter" idx="13"/>
-              </p:nvPr>
-            </p:nvSpPr>
-            <p:spPr>
-              <a:xfrm>
-                <a:off x="622300" y="890588"/>
-                <a:ext cx="11569700" cy="5602284"/>
-              </a:xfrm>
-              <a:blipFill>
-                <a:blip r:embed="rId5"/>
-                <a:stretch>
-                  <a:fillRect l="-527" t="-1088" b="-762"/>
-                </a:stretch>
-              </a:blipFill>
-            </p:spPr>
-            <p:txBody>
-              <a:bodyPr/>
-              <a:lstStyle/>
-              <a:p>
-                <a:r>
-                  <a:rPr lang="ko-KR" altLang="en-US">
-                    <a:noFill/>
-                  </a:rPr>
-                  <a:t> </a:t>
-                </a:r>
-              </a:p>
-            </p:txBody>
-          </p:sp>
-        </mc:Fallback>
-      </mc:AlternateContent>
     </p:spTree>
     <p:extLst>
       <p:ext uri="{BB962C8B-B14F-4D97-AF65-F5344CB8AC3E}">
@@ -14271,7 +13970,7 @@
 </file>
 
 <file path=ppt/theme/theme1.xml><?xml version="1.0" encoding="utf-8"?>
-<a:theme xmlns:a="http://schemas.openxmlformats.org/drawingml/2006/main" name="Brown_Theme_v3">
+<a:theme xmlns:a="http://schemas.openxmlformats.org/drawingml/2006/main" name="Black_Theme">
   <a:themeElements>
     <a:clrScheme name="색상">
       <a:dk1>
@@ -14311,15 +14010,15 @@
         <a:srgbClr val="3C3C3C"/>
       </a:folHlink>
     </a:clrScheme>
-    <a:fontScheme name="사용자 지정 2">
+    <a:fontScheme name="나눔스퀘어_ac">
       <a:majorFont>
-        <a:latin typeface="나눔고딕코딩"/>
-        <a:ea typeface="나눔고딕코딩"/>
+        <a:latin typeface="나눔스퀘어_ac ExtraBold"/>
+        <a:ea typeface="나눔스퀘어_ac ExtraBold"/>
         <a:cs typeface=""/>
       </a:majorFont>
       <a:minorFont>
-        <a:latin typeface="나눔고딕코딩"/>
-        <a:ea typeface="나눔고딕코딩"/>
+        <a:latin typeface="나눔스퀘어_ac Bold"/>
+        <a:ea typeface="나눔스퀘어_ac Bold"/>
         <a:cs typeface=""/>
       </a:minorFont>
     </a:fontScheme>
@@ -14465,7 +14164,7 @@
   <a:extraClrSchemeLst/>
   <a:extLst>
     <a:ext uri="{05A4C25C-085E-4340-85A3-A5531E510DB2}">
-      <thm15:themeFamily xmlns:thm15="http://schemas.microsoft.com/office/thememl/2012/main" name="Brown_Theme_v3" id="{64580CCC-B1B6-4F9D-AEA7-9C760B3916F4}" vid="{40F24FA9-2DF6-4692-B7F7-0928A25BC426}"/>
+      <thm15:themeFamily xmlns:thm15="http://schemas.microsoft.com/office/thememl/2012/main" name="Black_Theme" id="{36FAEC29-8FAE-472D-B660-020E82340A40}" vid="{B9C8B549-8018-44FE-BE57-DFF00026FECF}"/>
     </a:ext>
   </a:extLst>
 </a:theme>
